--- a/Hotels.pptx
+++ b/Hotels.pptx
@@ -4,6 +4,9 @@
   <p:sldMasterIdLst>
     <p:sldMasterId id="2147483648" r:id="rId1"/>
   </p:sldMasterIdLst>
+  <p:notesMasterIdLst>
+    <p:notesMasterId r:id="rId13"/>
+  </p:notesMasterIdLst>
   <p:sldIdLst>
     <p:sldId id="256" r:id="rId2"/>
     <p:sldId id="257" r:id="rId3"/>
@@ -114,7 +117,362 @@
       </a:defRPr>
     </a:lvl9pPr>
   </p:defaultTextStyle>
+  <p:extLst>
+    <p:ext uri="{EFAFB233-063F-42B5-8137-9DF3F51BA10A}">
+      <p15:sldGuideLst xmlns:p15="http://schemas.microsoft.com/office/powerpoint/2012/main"/>
+    </p:ext>
+  </p:extLst>
 </p:presentation>
+</file>
+
+<file path=ppt/notesMasters/notesMaster1.xml><?xml version="1.0" encoding="utf-8"?>
+<p:notesMaster xmlns:a="http://schemas.openxmlformats.org/drawingml/2006/main" xmlns:r="http://schemas.openxmlformats.org/officeDocument/2006/relationships" xmlns:p="http://schemas.openxmlformats.org/presentationml/2006/main">
+  <p:cSld>
+    <p:bg>
+      <p:bgRef idx="1001">
+        <a:schemeClr val="bg1"/>
+      </p:bgRef>
+    </p:bg>
+    <p:spTree>
+      <p:nvGrpSpPr>
+        <p:cNvPr id="1" name=""/>
+        <p:cNvGrpSpPr/>
+        <p:nvPr/>
+      </p:nvGrpSpPr>
+      <p:grpSpPr>
+        <a:xfrm>
+          <a:off x="0" y="0"/>
+          <a:ext cx="0" cy="0"/>
+          <a:chOff x="0" y="0"/>
+          <a:chExt cx="0" cy="0"/>
+        </a:xfrm>
+      </p:grpSpPr>
+      <p:sp>
+        <p:nvSpPr>
+          <p:cNvPr id="2" name="Header Placeholder 1"/>
+          <p:cNvSpPr>
+            <a:spLocks noGrp="1"/>
+          </p:cNvSpPr>
+          <p:nvPr>
+            <p:ph type="hdr" sz="quarter"/>
+          </p:nvPr>
+        </p:nvSpPr>
+        <p:spPr>
+          <a:xfrm>
+            <a:off x="0" y="0"/>
+            <a:ext cx="2971800" cy="458788"/>
+          </a:xfrm>
+          <a:prstGeom prst="rect">
+            <a:avLst/>
+          </a:prstGeom>
+        </p:spPr>
+        <p:txBody>
+          <a:bodyPr vert="horz" lIns="91440" tIns="45720" rIns="91440" bIns="45720" rtlCol="0"/>
+          <a:lstStyle>
+            <a:lvl1pPr algn="l">
+              <a:defRPr sz="1200"/>
+            </a:lvl1pPr>
+          </a:lstStyle>
+          <a:p>
+            <a:endParaRPr lang="en-GB"/>
+          </a:p>
+        </p:txBody>
+      </p:sp>
+      <p:sp>
+        <p:nvSpPr>
+          <p:cNvPr id="3" name="Date Placeholder 2"/>
+          <p:cNvSpPr>
+            <a:spLocks noGrp="1"/>
+          </p:cNvSpPr>
+          <p:nvPr>
+            <p:ph type="dt" idx="1"/>
+          </p:nvPr>
+        </p:nvSpPr>
+        <p:spPr>
+          <a:xfrm>
+            <a:off x="3884613" y="0"/>
+            <a:ext cx="2971800" cy="458788"/>
+          </a:xfrm>
+          <a:prstGeom prst="rect">
+            <a:avLst/>
+          </a:prstGeom>
+        </p:spPr>
+        <p:txBody>
+          <a:bodyPr vert="horz" lIns="91440" tIns="45720" rIns="91440" bIns="45720" rtlCol="0"/>
+          <a:lstStyle>
+            <a:lvl1pPr algn="r">
+              <a:defRPr sz="1200"/>
+            </a:lvl1pPr>
+          </a:lstStyle>
+          <a:p>
+            <a:fld id="{2E3EF141-1A1E-4A7C-9641-C19014601D10}" type="datetimeFigureOut">
+              <a:rPr lang="en-GB" smtClean="0"/>
+              <a:t>14/04/2023</a:t>
+            </a:fld>
+            <a:endParaRPr lang="en-GB"/>
+          </a:p>
+        </p:txBody>
+      </p:sp>
+      <p:sp>
+        <p:nvSpPr>
+          <p:cNvPr id="4" name="Slide Image Placeholder 3"/>
+          <p:cNvSpPr>
+            <a:spLocks noGrp="1" noRot="1" noChangeAspect="1"/>
+          </p:cNvSpPr>
+          <p:nvPr>
+            <p:ph type="sldImg" idx="2"/>
+          </p:nvPr>
+        </p:nvSpPr>
+        <p:spPr>
+          <a:xfrm>
+            <a:off x="685800" y="1143000"/>
+            <a:ext cx="5486400" cy="3086100"/>
+          </a:xfrm>
+          <a:prstGeom prst="rect">
+            <a:avLst/>
+          </a:prstGeom>
+          <a:noFill/>
+          <a:ln w="12700">
+            <a:solidFill>
+              <a:prstClr val="black"/>
+            </a:solidFill>
+          </a:ln>
+        </p:spPr>
+        <p:txBody>
+          <a:bodyPr vert="horz" lIns="91440" tIns="45720" rIns="91440" bIns="45720" rtlCol="0" anchor="ctr"/>
+          <a:lstStyle/>
+          <a:p>
+            <a:endParaRPr lang="en-GB"/>
+          </a:p>
+        </p:txBody>
+      </p:sp>
+      <p:sp>
+        <p:nvSpPr>
+          <p:cNvPr id="5" name="Notes Placeholder 4"/>
+          <p:cNvSpPr>
+            <a:spLocks noGrp="1"/>
+          </p:cNvSpPr>
+          <p:nvPr>
+            <p:ph type="body" sz="quarter" idx="3"/>
+          </p:nvPr>
+        </p:nvSpPr>
+        <p:spPr>
+          <a:xfrm>
+            <a:off x="685800" y="4400550"/>
+            <a:ext cx="5486400" cy="3600450"/>
+          </a:xfrm>
+          <a:prstGeom prst="rect">
+            <a:avLst/>
+          </a:prstGeom>
+        </p:spPr>
+        <p:txBody>
+          <a:bodyPr vert="horz" lIns="91440" tIns="45720" rIns="91440" bIns="45720" rtlCol="0"/>
+          <a:lstStyle/>
+          <a:p>
+            <a:pPr lvl="0"/>
+            <a:r>
+              <a:rPr lang="en-US" smtClean="0"/>
+              <a:t>Edit Master text styles</a:t>
+            </a:r>
+          </a:p>
+          <a:p>
+            <a:pPr lvl="1"/>
+            <a:r>
+              <a:rPr lang="en-US" smtClean="0"/>
+              <a:t>Second level</a:t>
+            </a:r>
+          </a:p>
+          <a:p>
+            <a:pPr lvl="2"/>
+            <a:r>
+              <a:rPr lang="en-US" smtClean="0"/>
+              <a:t>Third level</a:t>
+            </a:r>
+          </a:p>
+          <a:p>
+            <a:pPr lvl="3"/>
+            <a:r>
+              <a:rPr lang="en-US" smtClean="0"/>
+              <a:t>Fourth level</a:t>
+            </a:r>
+          </a:p>
+          <a:p>
+            <a:pPr lvl="4"/>
+            <a:r>
+              <a:rPr lang="en-US" smtClean="0"/>
+              <a:t>Fifth level</a:t>
+            </a:r>
+            <a:endParaRPr lang="en-GB"/>
+          </a:p>
+        </p:txBody>
+      </p:sp>
+      <p:sp>
+        <p:nvSpPr>
+          <p:cNvPr id="6" name="Footer Placeholder 5"/>
+          <p:cNvSpPr>
+            <a:spLocks noGrp="1"/>
+          </p:cNvSpPr>
+          <p:nvPr>
+            <p:ph type="ftr" sz="quarter" idx="4"/>
+          </p:nvPr>
+        </p:nvSpPr>
+        <p:spPr>
+          <a:xfrm>
+            <a:off x="0" y="8685213"/>
+            <a:ext cx="2971800" cy="458787"/>
+          </a:xfrm>
+          <a:prstGeom prst="rect">
+            <a:avLst/>
+          </a:prstGeom>
+        </p:spPr>
+        <p:txBody>
+          <a:bodyPr vert="horz" lIns="91440" tIns="45720" rIns="91440" bIns="45720" rtlCol="0" anchor="b"/>
+          <a:lstStyle>
+            <a:lvl1pPr algn="l">
+              <a:defRPr sz="1200"/>
+            </a:lvl1pPr>
+          </a:lstStyle>
+          <a:p>
+            <a:endParaRPr lang="en-GB"/>
+          </a:p>
+        </p:txBody>
+      </p:sp>
+      <p:sp>
+        <p:nvSpPr>
+          <p:cNvPr id="7" name="Slide Number Placeholder 6"/>
+          <p:cNvSpPr>
+            <a:spLocks noGrp="1"/>
+          </p:cNvSpPr>
+          <p:nvPr>
+            <p:ph type="sldNum" sz="quarter" idx="5"/>
+          </p:nvPr>
+        </p:nvSpPr>
+        <p:spPr>
+          <a:xfrm>
+            <a:off x="3884613" y="8685213"/>
+            <a:ext cx="2971800" cy="458787"/>
+          </a:xfrm>
+          <a:prstGeom prst="rect">
+            <a:avLst/>
+          </a:prstGeom>
+        </p:spPr>
+        <p:txBody>
+          <a:bodyPr vert="horz" lIns="91440" tIns="45720" rIns="91440" bIns="45720" rtlCol="0" anchor="b"/>
+          <a:lstStyle>
+            <a:lvl1pPr algn="r">
+              <a:defRPr sz="1200"/>
+            </a:lvl1pPr>
+          </a:lstStyle>
+          <a:p>
+            <a:fld id="{1BB21AEE-2381-4562-92EA-12F777D0863B}" type="slidenum">
+              <a:rPr lang="en-GB" smtClean="0"/>
+              <a:t>‹#›</a:t>
+            </a:fld>
+            <a:endParaRPr lang="en-GB"/>
+          </a:p>
+        </p:txBody>
+      </p:sp>
+    </p:spTree>
+    <p:extLst>
+      <p:ext uri="{BB962C8B-B14F-4D97-AF65-F5344CB8AC3E}">
+        <p14:creationId xmlns:p14="http://schemas.microsoft.com/office/powerpoint/2010/main" val="2606307885"/>
+      </p:ext>
+    </p:extLst>
+  </p:cSld>
+  <p:clrMap bg1="lt1" tx1="dk1" bg2="lt2" tx2="dk2" accent1="accent1" accent2="accent2" accent3="accent3" accent4="accent4" accent5="accent5" accent6="accent6" hlink="hlink" folHlink="folHlink"/>
+  <p:notesStyle>
+    <a:lvl1pPr marL="0" algn="l" defTabSz="914400" rtl="0" eaLnBrk="1" latinLnBrk="0" hangingPunct="1">
+      <a:defRPr sz="1200" kern="1200">
+        <a:solidFill>
+          <a:schemeClr val="tx1"/>
+        </a:solidFill>
+        <a:latin typeface="+mn-lt"/>
+        <a:ea typeface="+mn-ea"/>
+        <a:cs typeface="+mn-cs"/>
+      </a:defRPr>
+    </a:lvl1pPr>
+    <a:lvl2pPr marL="457200" algn="l" defTabSz="914400" rtl="0" eaLnBrk="1" latinLnBrk="0" hangingPunct="1">
+      <a:defRPr sz="1200" kern="1200">
+        <a:solidFill>
+          <a:schemeClr val="tx1"/>
+        </a:solidFill>
+        <a:latin typeface="+mn-lt"/>
+        <a:ea typeface="+mn-ea"/>
+        <a:cs typeface="+mn-cs"/>
+      </a:defRPr>
+    </a:lvl2pPr>
+    <a:lvl3pPr marL="914400" algn="l" defTabSz="914400" rtl="0" eaLnBrk="1" latinLnBrk="0" hangingPunct="1">
+      <a:defRPr sz="1200" kern="1200">
+        <a:solidFill>
+          <a:schemeClr val="tx1"/>
+        </a:solidFill>
+        <a:latin typeface="+mn-lt"/>
+        <a:ea typeface="+mn-ea"/>
+        <a:cs typeface="+mn-cs"/>
+      </a:defRPr>
+    </a:lvl3pPr>
+    <a:lvl4pPr marL="1371600" algn="l" defTabSz="914400" rtl="0" eaLnBrk="1" latinLnBrk="0" hangingPunct="1">
+      <a:defRPr sz="1200" kern="1200">
+        <a:solidFill>
+          <a:schemeClr val="tx1"/>
+        </a:solidFill>
+        <a:latin typeface="+mn-lt"/>
+        <a:ea typeface="+mn-ea"/>
+        <a:cs typeface="+mn-cs"/>
+      </a:defRPr>
+    </a:lvl4pPr>
+    <a:lvl5pPr marL="1828800" algn="l" defTabSz="914400" rtl="0" eaLnBrk="1" latinLnBrk="0" hangingPunct="1">
+      <a:defRPr sz="1200" kern="1200">
+        <a:solidFill>
+          <a:schemeClr val="tx1"/>
+        </a:solidFill>
+        <a:latin typeface="+mn-lt"/>
+        <a:ea typeface="+mn-ea"/>
+        <a:cs typeface="+mn-cs"/>
+      </a:defRPr>
+    </a:lvl5pPr>
+    <a:lvl6pPr marL="2286000" algn="l" defTabSz="914400" rtl="0" eaLnBrk="1" latinLnBrk="0" hangingPunct="1">
+      <a:defRPr sz="1200" kern="1200">
+        <a:solidFill>
+          <a:schemeClr val="tx1"/>
+        </a:solidFill>
+        <a:latin typeface="+mn-lt"/>
+        <a:ea typeface="+mn-ea"/>
+        <a:cs typeface="+mn-cs"/>
+      </a:defRPr>
+    </a:lvl6pPr>
+    <a:lvl7pPr marL="2743200" algn="l" defTabSz="914400" rtl="0" eaLnBrk="1" latinLnBrk="0" hangingPunct="1">
+      <a:defRPr sz="1200" kern="1200">
+        <a:solidFill>
+          <a:schemeClr val="tx1"/>
+        </a:solidFill>
+        <a:latin typeface="+mn-lt"/>
+        <a:ea typeface="+mn-ea"/>
+        <a:cs typeface="+mn-cs"/>
+      </a:defRPr>
+    </a:lvl7pPr>
+    <a:lvl8pPr marL="3200400" algn="l" defTabSz="914400" rtl="0" eaLnBrk="1" latinLnBrk="0" hangingPunct="1">
+      <a:defRPr sz="1200" kern="1200">
+        <a:solidFill>
+          <a:schemeClr val="tx1"/>
+        </a:solidFill>
+        <a:latin typeface="+mn-lt"/>
+        <a:ea typeface="+mn-ea"/>
+        <a:cs typeface="+mn-cs"/>
+      </a:defRPr>
+    </a:lvl8pPr>
+    <a:lvl9pPr marL="3657600" algn="l" defTabSz="914400" rtl="0" eaLnBrk="1" latinLnBrk="0" hangingPunct="1">
+      <a:defRPr sz="1200" kern="1200">
+        <a:solidFill>
+          <a:schemeClr val="tx1"/>
+        </a:solidFill>
+        <a:latin typeface="+mn-lt"/>
+        <a:ea typeface="+mn-ea"/>
+        <a:cs typeface="+mn-cs"/>
+      </a:defRPr>
+    </a:lvl9pPr>
+  </p:notesStyle>
+</p:notesMaster>
 </file>
 
 <file path=ppt/slideLayouts/slideLayout1.xml><?xml version="1.0" encoding="utf-8"?>
@@ -360,9 +718,8 @@
             </a:lvl1pPr>
           </a:lstStyle>
           <a:p>
-            <a:fld id="{B61BEF0D-F0BB-DE4B-95CE-6DB70DBA9567}" type="datetimeFigureOut">
-              <a:rPr lang="en-US" dirty="0"/>
-              <a:pPr/>
+            <a:fld id="{33F7060E-63DD-4DD4-92DA-7C11B6473D21}" type="datetime1">
+              <a:rPr lang="en-US" smtClean="0"/>
               <a:t>4/14/2023</a:t>
             </a:fld>
             <a:endParaRPr lang="en-US" dirty="0"/>
@@ -619,9 +976,8 @@
           <a:bodyPr/>
           <a:lstStyle/>
           <a:p>
-            <a:fld id="{B61BEF0D-F0BB-DE4B-95CE-6DB70DBA9567}" type="datetimeFigureOut">
-              <a:rPr lang="en-US" dirty="0"/>
-              <a:pPr/>
+            <a:fld id="{03C468B7-0AB6-44F6-9E75-D0FB51D30E4A}" type="datetime1">
+              <a:rPr lang="en-US" smtClean="0"/>
               <a:t>4/14/2023</a:t>
             </a:fld>
             <a:endParaRPr lang="en-US" dirty="0"/>
@@ -851,9 +1207,8 @@
             </a:lvl1pPr>
           </a:lstStyle>
           <a:p>
-            <a:fld id="{B61BEF0D-F0BB-DE4B-95CE-6DB70DBA9567}" type="datetimeFigureOut">
-              <a:rPr lang="en-US" dirty="0"/>
-              <a:pPr/>
+            <a:fld id="{CCC63C3C-CA34-440E-BABF-F28B8F1A73F5}" type="datetime1">
+              <a:rPr lang="en-US" smtClean="0"/>
               <a:t>4/14/2023</a:t>
             </a:fld>
             <a:endParaRPr lang="en-US" dirty="0"/>
@@ -1088,9 +1443,8 @@
           <a:bodyPr/>
           <a:lstStyle/>
           <a:p>
-            <a:fld id="{B61BEF0D-F0BB-DE4B-95CE-6DB70DBA9567}" type="datetimeFigureOut">
-              <a:rPr lang="en-US" dirty="0"/>
-              <a:pPr/>
+            <a:fld id="{227E86E2-F779-4312-B406-ABBC6A8DE491}" type="datetime1">
+              <a:rPr lang="en-US" smtClean="0"/>
               <a:t>4/14/2023</a:t>
             </a:fld>
             <a:endParaRPr lang="en-US" dirty="0"/>
@@ -1392,9 +1746,8 @@
             </a:lvl1pPr>
           </a:lstStyle>
           <a:p>
-            <a:fld id="{B61BEF0D-F0BB-DE4B-95CE-6DB70DBA9567}" type="datetimeFigureOut">
-              <a:rPr lang="en-US" dirty="0"/>
-              <a:pPr/>
+            <a:fld id="{8A44FC59-7C24-47FE-8D41-91CF5785150D}" type="datetime1">
+              <a:rPr lang="en-US" smtClean="0"/>
               <a:t>4/14/2023</a:t>
             </a:fld>
             <a:endParaRPr lang="en-US" dirty="0"/>
@@ -1691,9 +2044,8 @@
           <a:bodyPr/>
           <a:lstStyle/>
           <a:p>
-            <a:fld id="{B61BEF0D-F0BB-DE4B-95CE-6DB70DBA9567}" type="datetimeFigureOut">
-              <a:rPr lang="en-US" dirty="0"/>
-              <a:pPr/>
+            <a:fld id="{8577A450-A437-4C1C-B9CB-4EFFCEF3DE58}" type="datetime1">
+              <a:rPr lang="en-US" smtClean="0"/>
               <a:t>4/14/2023</a:t>
             </a:fld>
             <a:endParaRPr lang="en-US" dirty="0"/>
@@ -2110,9 +2462,8 @@
           <a:bodyPr/>
           <a:lstStyle/>
           <a:p>
-            <a:fld id="{B61BEF0D-F0BB-DE4B-95CE-6DB70DBA9567}" type="datetimeFigureOut">
-              <a:rPr lang="en-US" dirty="0"/>
-              <a:pPr/>
+            <a:fld id="{54F13794-F170-4B9C-B28F-C3E9047DD084}" type="datetime1">
+              <a:rPr lang="en-US" smtClean="0"/>
               <a:t>4/14/2023</a:t>
             </a:fld>
             <a:endParaRPr lang="en-US" dirty="0"/>
@@ -2269,9 +2620,8 @@
           <a:bodyPr/>
           <a:lstStyle/>
           <a:p>
-            <a:fld id="{B61BEF0D-F0BB-DE4B-95CE-6DB70DBA9567}" type="datetimeFigureOut">
-              <a:rPr lang="en-US" dirty="0"/>
-              <a:pPr/>
+            <a:fld id="{74DA2D40-5D5D-4391-91FB-1F3A7C9A25F4}" type="datetime1">
+              <a:rPr lang="en-US" smtClean="0"/>
               <a:t>4/14/2023</a:t>
             </a:fld>
             <a:endParaRPr lang="en-US" dirty="0"/>
@@ -2361,9 +2711,8 @@
           <a:bodyPr/>
           <a:lstStyle/>
           <a:p>
-            <a:fld id="{B61BEF0D-F0BB-DE4B-95CE-6DB70DBA9567}" type="datetimeFigureOut">
-              <a:rPr lang="en-US" dirty="0"/>
-              <a:pPr/>
+            <a:fld id="{4E6AB9C1-635F-4BFA-AD43-227B2E5D9FE6}" type="datetime1">
+              <a:rPr lang="en-US" smtClean="0"/>
               <a:t>4/14/2023</a:t>
             </a:fld>
             <a:endParaRPr lang="en-US" dirty="0"/>
@@ -2736,9 +3085,8 @@
             </a:lvl1pPr>
           </a:lstStyle>
           <a:p>
-            <a:fld id="{B61BEF0D-F0BB-DE4B-95CE-6DB70DBA9567}" type="datetimeFigureOut">
-              <a:rPr lang="en-US" dirty="0"/>
-              <a:pPr/>
+            <a:fld id="{5D283BC3-0B20-4251-AD27-29FB42CE0A27}" type="datetime1">
+              <a:rPr lang="en-US" smtClean="0"/>
               <a:t>4/14/2023</a:t>
             </a:fld>
             <a:endParaRPr lang="en-US" dirty="0"/>
@@ -3022,9 +3370,8 @@
           <a:bodyPr/>
           <a:lstStyle/>
           <a:p>
-            <a:fld id="{B61BEF0D-F0BB-DE4B-95CE-6DB70DBA9567}" type="datetimeFigureOut">
-              <a:rPr lang="en-US" dirty="0"/>
-              <a:pPr/>
+            <a:fld id="{28133ABD-BF67-498B-9590-68AA17487E06}" type="datetime1">
+              <a:rPr lang="en-US" smtClean="0"/>
               <a:t>4/14/2023</a:t>
             </a:fld>
             <a:endParaRPr lang="en-US" dirty="0"/>
@@ -3230,9 +3577,8 @@
             </a:lvl1pPr>
           </a:lstStyle>
           <a:p>
-            <a:fld id="{B61BEF0D-F0BB-DE4B-95CE-6DB70DBA9567}" type="datetimeFigureOut">
-              <a:rPr lang="en-US" dirty="0"/>
-              <a:pPr/>
+            <a:fld id="{8756BAF8-8F1A-40D0-BC4F-F163DC940768}" type="datetime1">
+              <a:rPr lang="en-US" smtClean="0"/>
               <a:t>4/14/2023</a:t>
             </a:fld>
             <a:endParaRPr lang="en-US" dirty="0"/>
@@ -3441,6 +3787,7 @@
     <p:sldLayoutId id="2147483658" r:id="rId10"/>
     <p:sldLayoutId id="2147483659" r:id="rId11"/>
   </p:sldLayoutIdLst>
+  <p:hf hdr="0" ftr="0" dt="0"/>
   <p:txStyles>
     <p:titleStyle>
       <a:lvl1pPr algn="l" defTabSz="457200" rtl="0" eaLnBrk="1" latinLnBrk="0" hangingPunct="1">
@@ -3938,6 +4285,30 @@
           </a:p>
         </p:txBody>
       </p:sp>
+      <p:sp>
+        <p:nvSpPr>
+          <p:cNvPr id="4" name="Slide Number Placeholder 3"/>
+          <p:cNvSpPr>
+            <a:spLocks noGrp="1"/>
+          </p:cNvSpPr>
+          <p:nvPr>
+            <p:ph type="sldNum" sz="quarter" idx="12"/>
+          </p:nvPr>
+        </p:nvSpPr>
+        <p:spPr/>
+        <p:txBody>
+          <a:bodyPr/>
+          <a:lstStyle/>
+          <a:p>
+            <a:fld id="{D57F1E4F-1CFF-5643-939E-217C01CDF565}" type="slidenum">
+              <a:rPr lang="en-US" smtClean="0"/>
+              <a:pPr/>
+              <a:t>1</a:t>
+            </a:fld>
+            <a:endParaRPr lang="en-US" dirty="0"/>
+          </a:p>
+        </p:txBody>
+      </p:sp>
     </p:spTree>
     <p:extLst>
       <p:ext uri="{BB962C8B-B14F-4D97-AF65-F5344CB8AC3E}">
@@ -3948,6 +4319,13 @@
   <p:clrMapOvr>
     <a:masterClrMapping/>
   </p:clrMapOvr>
+  <p:timing>
+    <p:tnLst>
+      <p:par>
+        <p:cTn id="1" dur="indefinite" restart="never" nodeType="tmRoot"/>
+      </p:par>
+    </p:tnLst>
+  </p:timing>
 </p:sld>
 </file>
 
@@ -4008,8 +4386,86 @@
           <a:p>
             <a:r>
               <a:rPr lang="ru-RU" dirty="0" smtClean="0"/>
-              <a:t>Наша цель дальнейшего развития заключается в реализации новых функций и распрастронении сервиса, чтобы и другие сети отелей могли использовать его.</a:t>
-            </a:r>
+              <a:t>Наша цель дальнейшего развития заключается </a:t>
+            </a:r>
+            <a:r>
+              <a:rPr lang="ru-RU" dirty="0"/>
+              <a:t>в исправление нынешних багов </a:t>
+            </a:r>
+            <a:r>
+              <a:rPr lang="ru-RU" dirty="0" smtClean="0"/>
+              <a:t>проекта, </a:t>
+            </a:r>
+            <a:r>
+              <a:rPr lang="ru-RU" dirty="0" smtClean="0"/>
+              <a:t>реализации новых функций для оптимизации использования проекта.</a:t>
+            </a:r>
+            <a:endParaRPr lang="en-US" dirty="0"/>
+          </a:p>
+        </p:txBody>
+      </p:sp>
+      <p:sp>
+        <p:nvSpPr>
+          <p:cNvPr id="4" name="Action Button: Home 3">
+            <a:hlinkClick r:id="rId2" action="ppaction://hlinksldjump" highlightClick="1"/>
+          </p:cNvPr>
+          <p:cNvSpPr/>
+          <p:nvPr/>
+        </p:nvSpPr>
+        <p:spPr>
+          <a:xfrm>
+            <a:off x="10189819" y="5956137"/>
+            <a:ext cx="894735" cy="562897"/>
+          </a:xfrm>
+          <a:prstGeom prst="actionButtonHome">
+            <a:avLst/>
+          </a:prstGeom>
+        </p:spPr>
+        <p:style>
+          <a:lnRef idx="2">
+            <a:schemeClr val="accent1">
+              <a:shade val="50000"/>
+            </a:schemeClr>
+          </a:lnRef>
+          <a:fillRef idx="1">
+            <a:schemeClr val="accent1"/>
+          </a:fillRef>
+          <a:effectRef idx="0">
+            <a:schemeClr val="accent1"/>
+          </a:effectRef>
+          <a:fontRef idx="minor">
+            <a:schemeClr val="lt1"/>
+          </a:fontRef>
+        </p:style>
+        <p:txBody>
+          <a:bodyPr rtlCol="0" anchor="ctr"/>
+          <a:lstStyle/>
+          <a:p>
+            <a:pPr algn="ctr"/>
+            <a:endParaRPr lang="ru-RU"/>
+          </a:p>
+        </p:txBody>
+      </p:sp>
+      <p:sp>
+        <p:nvSpPr>
+          <p:cNvPr id="5" name="Slide Number Placeholder 4"/>
+          <p:cNvSpPr>
+            <a:spLocks noGrp="1"/>
+          </p:cNvSpPr>
+          <p:nvPr>
+            <p:ph type="sldNum" sz="quarter" idx="12"/>
+          </p:nvPr>
+        </p:nvSpPr>
+        <p:spPr/>
+        <p:txBody>
+          <a:bodyPr/>
+          <a:lstStyle/>
+          <a:p>
+            <a:fld id="{D57F1E4F-1CFF-5643-939E-217C01CDF565}" type="slidenum">
+              <a:rPr lang="en-US" smtClean="0"/>
+              <a:pPr/>
+              <a:t>10</a:t>
+            </a:fld>
             <a:endParaRPr lang="en-US" dirty="0"/>
           </a:p>
         </p:txBody>
@@ -4024,6 +4480,13 @@
   <p:clrMapOvr>
     <a:masterClrMapping/>
   </p:clrMapOvr>
+  <p:timing>
+    <p:tnLst>
+      <p:par>
+        <p:cTn id="1" dur="indefinite" restart="never" nodeType="tmRoot"/>
+      </p:par>
+    </p:tnLst>
+  </p:timing>
 </p:sld>
 </file>
 
@@ -4059,6 +4522,10 @@
           <a:bodyPr/>
           <a:lstStyle/>
           <a:p>
+            <a:pPr marL="457200" indent="-457200">
+              <a:buFont typeface="Arial" panose="020B0604020202020204" pitchFamily="34" charset="0"/>
+              <a:buChar char="•"/>
+            </a:pPr>
             <a:r>
               <a:rPr lang="ru-RU" dirty="0" smtClean="0"/>
               <a:t>Разделение работы в проекте </a:t>
@@ -4082,10 +4549,114 @@
           <a:bodyPr/>
           <a:lstStyle/>
           <a:p>
+            <a:pPr marL="0" indent="0">
+              <a:buNone/>
+            </a:pPr>
             <a:r>
               <a:rPr lang="ru-RU" dirty="0" smtClean="0"/>
-              <a:t>Мы разделили работу равномерно, чтобы каждый из нас поработал с той или инной частью нашего проекта</a:t>
-            </a:r>
+              <a:t>Мы разделили работу на двух человек так</a:t>
+            </a:r>
+            <a:r>
+              <a:rPr lang="en-US" dirty="0" smtClean="0"/>
+              <a:t>:</a:t>
+            </a:r>
+            <a:endParaRPr lang="ru-RU" dirty="0" smtClean="0"/>
+          </a:p>
+          <a:p>
+            <a:r>
+              <a:rPr lang="ru-RU" dirty="0" smtClean="0"/>
+              <a:t>Один человек занимался базой данных</a:t>
+            </a:r>
+            <a:r>
+              <a:rPr lang="en-US" dirty="0"/>
+              <a:t>;</a:t>
+            </a:r>
+            <a:endParaRPr lang="ru-RU" dirty="0" smtClean="0"/>
+          </a:p>
+          <a:p>
+            <a:r>
+              <a:rPr lang="ru-RU" dirty="0" smtClean="0"/>
+              <a:t>Второй человек писал контроллеры и маршруты</a:t>
+            </a:r>
+            <a:r>
+              <a:rPr lang="en-US" dirty="0" smtClean="0"/>
+              <a:t>;</a:t>
+            </a:r>
+            <a:endParaRPr lang="ru-RU" dirty="0" smtClean="0"/>
+          </a:p>
+          <a:p>
+            <a:pPr marL="0" indent="0">
+              <a:buNone/>
+            </a:pPr>
+            <a:endParaRPr lang="en-US" dirty="0" smtClean="0"/>
+          </a:p>
+          <a:p>
+            <a:endParaRPr lang="en-US" dirty="0"/>
+          </a:p>
+        </p:txBody>
+      </p:sp>
+      <p:sp>
+        <p:nvSpPr>
+          <p:cNvPr id="4" name="Action Button: Home 3">
+            <a:hlinkClick r:id="rId2" action="ppaction://hlinksldjump" highlightClick="1"/>
+          </p:cNvPr>
+          <p:cNvSpPr/>
+          <p:nvPr/>
+        </p:nvSpPr>
+        <p:spPr>
+          <a:xfrm>
+            <a:off x="10189819" y="5956137"/>
+            <a:ext cx="894735" cy="562897"/>
+          </a:xfrm>
+          <a:prstGeom prst="actionButtonHome">
+            <a:avLst/>
+          </a:prstGeom>
+        </p:spPr>
+        <p:style>
+          <a:lnRef idx="2">
+            <a:schemeClr val="accent1">
+              <a:shade val="50000"/>
+            </a:schemeClr>
+          </a:lnRef>
+          <a:fillRef idx="1">
+            <a:schemeClr val="accent1"/>
+          </a:fillRef>
+          <a:effectRef idx="0">
+            <a:schemeClr val="accent1"/>
+          </a:effectRef>
+          <a:fontRef idx="minor">
+            <a:schemeClr val="lt1"/>
+          </a:fontRef>
+        </p:style>
+        <p:txBody>
+          <a:bodyPr rtlCol="0" anchor="ctr"/>
+          <a:lstStyle/>
+          <a:p>
+            <a:pPr algn="ctr"/>
+            <a:endParaRPr lang="ru-RU"/>
+          </a:p>
+        </p:txBody>
+      </p:sp>
+      <p:sp>
+        <p:nvSpPr>
+          <p:cNvPr id="5" name="Slide Number Placeholder 4"/>
+          <p:cNvSpPr>
+            <a:spLocks noGrp="1"/>
+          </p:cNvSpPr>
+          <p:nvPr>
+            <p:ph type="sldNum" sz="quarter" idx="12"/>
+          </p:nvPr>
+        </p:nvSpPr>
+        <p:spPr/>
+        <p:txBody>
+          <a:bodyPr/>
+          <a:lstStyle/>
+          <a:p>
+            <a:fld id="{D57F1E4F-1CFF-5643-939E-217C01CDF565}" type="slidenum">
+              <a:rPr lang="en-US" smtClean="0"/>
+              <a:pPr/>
+              <a:t>11</a:t>
+            </a:fld>
             <a:endParaRPr lang="en-US" dirty="0"/>
           </a:p>
         </p:txBody>
@@ -4100,6 +4671,13 @@
   <p:clrMapOvr>
     <a:masterClrMapping/>
   </p:clrMapOvr>
+  <p:timing>
+    <p:tnLst>
+      <p:par>
+        <p:cTn id="1" dur="indefinite" restart="never" nodeType="tmRoot"/>
+      </p:par>
+    </p:tnLst>
+  </p:timing>
 </p:sld>
 </file>
 
@@ -4161,70 +4739,138 @@
           <a:lstStyle/>
           <a:p>
             <a:r>
-              <a:rPr lang="ru-RU" dirty="0"/>
-              <a:t>Тема проекта</a:t>
-            </a:r>
-          </a:p>
-          <a:p>
-            <a:r>
-              <a:rPr lang="ru-RU" dirty="0"/>
+              <a:rPr lang="ru-RU" dirty="0">
+                <a:hlinkClick r:id="rId2" action="ppaction://hlinksldjump"/>
+              </a:rPr>
+              <a:t>Тема </a:t>
+            </a:r>
+            <a:r>
+              <a:rPr lang="ru-RU" dirty="0" smtClean="0">
+                <a:hlinkClick r:id="rId2" action="ppaction://hlinksldjump"/>
+              </a:rPr>
+              <a:t>проекта</a:t>
+            </a:r>
+            <a:r>
+              <a:rPr lang="en-US" dirty="0" smtClean="0">
+                <a:hlinkClick r:id="rId2" action="ppaction://hlinksldjump"/>
+              </a:rPr>
+              <a:t> </a:t>
+            </a:r>
+            <a:endParaRPr lang="ru-RU" dirty="0"/>
+          </a:p>
+          <a:p>
+            <a:r>
+              <a:rPr lang="ru-RU" dirty="0">
+                <a:hlinkClick r:id="rId3" action="ppaction://hlinksldjump"/>
+              </a:rPr>
               <a:t>Используемые технологии</a:t>
             </a:r>
-          </a:p>
-          <a:p>
-            <a:r>
-              <a:rPr lang="ru-RU" dirty="0"/>
+            <a:endParaRPr lang="ru-RU" dirty="0"/>
+          </a:p>
+          <a:p>
+            <a:r>
+              <a:rPr lang="ru-RU" dirty="0">
+                <a:hlinkClick r:id="rId4" action="ppaction://hlinksldjump"/>
+              </a:rPr>
               <a:t>Что такое REST API запросы?</a:t>
             </a:r>
-          </a:p>
-          <a:p>
-            <a:r>
-              <a:rPr lang="ru-RU" dirty="0"/>
+            <a:endParaRPr lang="ru-RU" dirty="0"/>
+          </a:p>
+          <a:p>
+            <a:r>
+              <a:rPr lang="ru-RU" dirty="0">
+                <a:hlinkClick r:id="rId5" action="ppaction://hlinksldjump"/>
+              </a:rPr>
               <a:t>Диаграмма базы данных</a:t>
             </a:r>
-          </a:p>
-          <a:p>
-            <a:r>
-              <a:rPr lang="ru-RU" dirty="0"/>
+            <a:endParaRPr lang="ru-RU" dirty="0"/>
+          </a:p>
+          <a:p>
+            <a:r>
+              <a:rPr lang="ru-RU" dirty="0">
+                <a:hlinkClick r:id="rId6" action="ppaction://hlinksldjump"/>
+              </a:rPr>
               <a:t>Что такое ORM (Sequelize)</a:t>
             </a:r>
-          </a:p>
-          <a:p>
-            <a:r>
-              <a:rPr lang="ru-RU" dirty="0"/>
+            <a:endParaRPr lang="ru-RU" dirty="0"/>
+          </a:p>
+          <a:p>
+            <a:r>
+              <a:rPr lang="ru-RU" dirty="0">
+                <a:hlinkClick r:id="rId7" action="ppaction://hlinksldjump"/>
+              </a:rPr>
               <a:t>Структура/архитектура проекта</a:t>
             </a:r>
-          </a:p>
-          <a:p>
-            <a:r>
-              <a:rPr lang="ru-RU" dirty="0"/>
+            <a:endParaRPr lang="ru-RU" dirty="0"/>
+          </a:p>
+          <a:p>
+            <a:r>
+              <a:rPr lang="ru-RU" dirty="0">
+                <a:hlinkClick r:id="rId8" action="ppaction://hlinksldjump"/>
+              </a:rPr>
               <a:t>Примеры </a:t>
             </a:r>
             <a:r>
-              <a:rPr lang="ru-RU" dirty="0" smtClean="0"/>
+              <a:rPr lang="ru-RU" dirty="0" smtClean="0">
+                <a:hlinkClick r:id="rId8" action="ppaction://hlinksldjump"/>
+              </a:rPr>
               <a:t>запросов</a:t>
             </a:r>
-          </a:p>
-          <a:p>
-            <a:r>
-              <a:rPr lang="ru-RU" dirty="0" smtClean="0"/>
+            <a:endParaRPr lang="ru-RU" dirty="0" smtClean="0"/>
+          </a:p>
+          <a:p>
+            <a:r>
+              <a:rPr lang="ru-RU" dirty="0" smtClean="0">
+                <a:hlinkClick r:id="rId9" action="ppaction://hlinksldjump"/>
+              </a:rPr>
               <a:t>Дальнейшее </a:t>
             </a:r>
             <a:r>
-              <a:rPr lang="ru-RU" dirty="0"/>
+              <a:rPr lang="ru-RU" dirty="0">
+                <a:hlinkClick r:id="rId9" action="ppaction://hlinksldjump"/>
+              </a:rPr>
               <a:t>развитие проекта</a:t>
             </a:r>
-          </a:p>
-          <a:p>
-            <a:r>
-              <a:rPr lang="ru-RU" dirty="0"/>
+            <a:endParaRPr lang="ru-RU" dirty="0"/>
+          </a:p>
+          <a:p>
+            <a:r>
+              <a:rPr lang="ru-RU" dirty="0">
+                <a:hlinkClick r:id="rId10" action="ppaction://hlinksldjump"/>
+              </a:rPr>
               <a:t>Разделение ролей в </a:t>
             </a:r>
             <a:r>
-              <a:rPr lang="ru-RU" dirty="0" smtClean="0"/>
+              <a:rPr lang="ru-RU" dirty="0" smtClean="0">
+                <a:hlinkClick r:id="rId10" action="ppaction://hlinksldjump"/>
+              </a:rPr>
               <a:t>проекте</a:t>
             </a:r>
             <a:endParaRPr lang="ru-RU" dirty="0"/>
+          </a:p>
+        </p:txBody>
+      </p:sp>
+      <p:sp>
+        <p:nvSpPr>
+          <p:cNvPr id="2" name="Slide Number Placeholder 1"/>
+          <p:cNvSpPr>
+            <a:spLocks noGrp="1"/>
+          </p:cNvSpPr>
+          <p:nvPr>
+            <p:ph type="sldNum" sz="quarter" idx="12"/>
+          </p:nvPr>
+        </p:nvSpPr>
+        <p:spPr/>
+        <p:txBody>
+          <a:bodyPr/>
+          <a:lstStyle/>
+          <a:p>
+            <a:fld id="{D57F1E4F-1CFF-5643-939E-217C01CDF565}" type="slidenum">
+              <a:rPr lang="en-US" smtClean="0"/>
+              <a:pPr/>
+              <a:t>2</a:t>
+            </a:fld>
+            <a:endParaRPr lang="en-US" dirty="0"/>
           </a:p>
         </p:txBody>
       </p:sp>
@@ -4238,6 +4884,13 @@
   <p:clrMapOvr>
     <a:masterClrMapping/>
   </p:clrMapOvr>
+  <p:timing>
+    <p:tnLst>
+      <p:par>
+        <p:cTn id="1" dur="indefinite" restart="never" nodeType="tmRoot"/>
+      </p:par>
+    </p:tnLst>
+  </p:timing>
 </p:sld>
 </file>
 
@@ -4304,6 +4957,72 @@
           </a:p>
         </p:txBody>
       </p:sp>
+      <p:sp>
+        <p:nvSpPr>
+          <p:cNvPr id="4" name="Action Button: Home 3">
+            <a:hlinkClick r:id="rId2" action="ppaction://hlinksldjump" highlightClick="1"/>
+          </p:cNvPr>
+          <p:cNvSpPr/>
+          <p:nvPr/>
+        </p:nvSpPr>
+        <p:spPr>
+          <a:xfrm>
+            <a:off x="10484717" y="5959726"/>
+            <a:ext cx="894735" cy="562897"/>
+          </a:xfrm>
+          <a:prstGeom prst="actionButtonHome">
+            <a:avLst/>
+          </a:prstGeom>
+        </p:spPr>
+        <p:style>
+          <a:lnRef idx="2">
+            <a:schemeClr val="accent1">
+              <a:shade val="50000"/>
+            </a:schemeClr>
+          </a:lnRef>
+          <a:fillRef idx="1">
+            <a:schemeClr val="accent1"/>
+          </a:fillRef>
+          <a:effectRef idx="0">
+            <a:schemeClr val="accent1"/>
+          </a:effectRef>
+          <a:fontRef idx="minor">
+            <a:schemeClr val="lt1"/>
+          </a:fontRef>
+        </p:style>
+        <p:txBody>
+          <a:bodyPr rtlCol="0" anchor="ctr"/>
+          <a:lstStyle/>
+          <a:p>
+            <a:pPr algn="ctr"/>
+            <a:endParaRPr lang="ru-RU"/>
+          </a:p>
+        </p:txBody>
+      </p:sp>
+      <p:sp>
+        <p:nvSpPr>
+          <p:cNvPr id="5" name="Slide Number Placeholder 4"/>
+          <p:cNvSpPr>
+            <a:spLocks noGrp="1"/>
+          </p:cNvSpPr>
+          <p:nvPr>
+            <p:ph type="sldNum" sz="quarter" idx="12"/>
+          </p:nvPr>
+        </p:nvSpPr>
+        <p:spPr/>
+        <p:txBody>
+          <a:bodyPr/>
+          <a:lstStyle/>
+          <a:p>
+            <a:fld id="{D57F1E4F-1CFF-5643-939E-217C01CDF565}" type="slidenum">
+              <a:rPr lang="en-US" smtClean="0"/>
+              <a:pPr/>
+              <a:t>3</a:t>
+            </a:fld>
+            <a:endParaRPr lang="en-US" dirty="0"/>
+          </a:p>
+        </p:txBody>
+      </p:sp>
     </p:spTree>
     <p:extLst>
       <p:ext uri="{BB962C8B-B14F-4D97-AF65-F5344CB8AC3E}">
@@ -4314,6 +5033,13 @@
   <p:clrMapOvr>
     <a:masterClrMapping/>
   </p:clrMapOvr>
+  <p:timing>
+    <p:tnLst>
+      <p:par>
+        <p:cTn id="1" dur="indefinite" restart="never" nodeType="tmRoot"/>
+      </p:par>
+    </p:tnLst>
+  </p:timing>
 </p:sld>
 </file>
 
@@ -4449,6 +5175,72 @@
           </a:p>
         </p:txBody>
       </p:sp>
+      <p:sp>
+        <p:nvSpPr>
+          <p:cNvPr id="4" name="Action Button: Home 3">
+            <a:hlinkClick r:id="rId2" action="ppaction://hlinksldjump" highlightClick="1"/>
+          </p:cNvPr>
+          <p:cNvSpPr/>
+          <p:nvPr/>
+        </p:nvSpPr>
+        <p:spPr>
+          <a:xfrm>
+            <a:off x="10434841" y="5968039"/>
+            <a:ext cx="894735" cy="562897"/>
+          </a:xfrm>
+          <a:prstGeom prst="actionButtonHome">
+            <a:avLst/>
+          </a:prstGeom>
+        </p:spPr>
+        <p:style>
+          <a:lnRef idx="2">
+            <a:schemeClr val="accent1">
+              <a:shade val="50000"/>
+            </a:schemeClr>
+          </a:lnRef>
+          <a:fillRef idx="1">
+            <a:schemeClr val="accent1"/>
+          </a:fillRef>
+          <a:effectRef idx="0">
+            <a:schemeClr val="accent1"/>
+          </a:effectRef>
+          <a:fontRef idx="minor">
+            <a:schemeClr val="lt1"/>
+          </a:fontRef>
+        </p:style>
+        <p:txBody>
+          <a:bodyPr rtlCol="0" anchor="ctr"/>
+          <a:lstStyle/>
+          <a:p>
+            <a:pPr algn="ctr"/>
+            <a:endParaRPr lang="ru-RU"/>
+          </a:p>
+        </p:txBody>
+      </p:sp>
+      <p:sp>
+        <p:nvSpPr>
+          <p:cNvPr id="5" name="Slide Number Placeholder 4"/>
+          <p:cNvSpPr>
+            <a:spLocks noGrp="1"/>
+          </p:cNvSpPr>
+          <p:nvPr>
+            <p:ph type="sldNum" sz="quarter" idx="12"/>
+          </p:nvPr>
+        </p:nvSpPr>
+        <p:spPr/>
+        <p:txBody>
+          <a:bodyPr/>
+          <a:lstStyle/>
+          <a:p>
+            <a:fld id="{D57F1E4F-1CFF-5643-939E-217C01CDF565}" type="slidenum">
+              <a:rPr lang="en-US" smtClean="0"/>
+              <a:pPr/>
+              <a:t>4</a:t>
+            </a:fld>
+            <a:endParaRPr lang="en-US" dirty="0"/>
+          </a:p>
+        </p:txBody>
+      </p:sp>
     </p:spTree>
     <p:extLst>
       <p:ext uri="{BB962C8B-B14F-4D97-AF65-F5344CB8AC3E}">
@@ -4459,6 +5251,13 @@
   <p:clrMapOvr>
     <a:masterClrMapping/>
   </p:clrMapOvr>
+  <p:timing>
+    <p:tnLst>
+      <p:par>
+        <p:cTn id="1" dur="indefinite" restart="never" nodeType="tmRoot"/>
+      </p:par>
+    </p:tnLst>
+  </p:timing>
 </p:sld>
 </file>
 
@@ -4543,6 +5342,72 @@
           </a:p>
         </p:txBody>
       </p:sp>
+      <p:sp>
+        <p:nvSpPr>
+          <p:cNvPr id="4" name="Action Button: Home 3">
+            <a:hlinkClick r:id="rId2" action="ppaction://hlinksldjump" highlightClick="1"/>
+          </p:cNvPr>
+          <p:cNvSpPr/>
+          <p:nvPr/>
+        </p:nvSpPr>
+        <p:spPr>
+          <a:xfrm>
+            <a:off x="10326776" y="5956137"/>
+            <a:ext cx="894735" cy="562897"/>
+          </a:xfrm>
+          <a:prstGeom prst="actionButtonHome">
+            <a:avLst/>
+          </a:prstGeom>
+        </p:spPr>
+        <p:style>
+          <a:lnRef idx="2">
+            <a:schemeClr val="accent1">
+              <a:shade val="50000"/>
+            </a:schemeClr>
+          </a:lnRef>
+          <a:fillRef idx="1">
+            <a:schemeClr val="accent1"/>
+          </a:fillRef>
+          <a:effectRef idx="0">
+            <a:schemeClr val="accent1"/>
+          </a:effectRef>
+          <a:fontRef idx="minor">
+            <a:schemeClr val="lt1"/>
+          </a:fontRef>
+        </p:style>
+        <p:txBody>
+          <a:bodyPr rtlCol="0" anchor="ctr"/>
+          <a:lstStyle/>
+          <a:p>
+            <a:pPr algn="ctr"/>
+            <a:endParaRPr lang="ru-RU"/>
+          </a:p>
+        </p:txBody>
+      </p:sp>
+      <p:sp>
+        <p:nvSpPr>
+          <p:cNvPr id="5" name="Slide Number Placeholder 4"/>
+          <p:cNvSpPr>
+            <a:spLocks noGrp="1"/>
+          </p:cNvSpPr>
+          <p:nvPr>
+            <p:ph type="sldNum" sz="quarter" idx="12"/>
+          </p:nvPr>
+        </p:nvSpPr>
+        <p:spPr/>
+        <p:txBody>
+          <a:bodyPr/>
+          <a:lstStyle/>
+          <a:p>
+            <a:fld id="{D57F1E4F-1CFF-5643-939E-217C01CDF565}" type="slidenum">
+              <a:rPr lang="en-US" smtClean="0"/>
+              <a:pPr/>
+              <a:t>5</a:t>
+            </a:fld>
+            <a:endParaRPr lang="en-US" dirty="0"/>
+          </a:p>
+        </p:txBody>
+      </p:sp>
     </p:spTree>
     <p:extLst>
       <p:ext uri="{BB962C8B-B14F-4D97-AF65-F5344CB8AC3E}">
@@ -4553,6 +5418,13 @@
   <p:clrMapOvr>
     <a:masterClrMapping/>
   </p:clrMapOvr>
+  <p:timing>
+    <p:tnLst>
+      <p:par>
+        <p:cTn id="1" dur="indefinite" restart="never" nodeType="tmRoot"/>
+      </p:par>
+    </p:tnLst>
+  </p:timing>
 </p:sld>
 </file>
 
@@ -4626,6 +5498,72 @@
           </a:prstGeom>
         </p:spPr>
       </p:pic>
+      <p:sp>
+        <p:nvSpPr>
+          <p:cNvPr id="5" name="Action Button: Home 4">
+            <a:hlinkClick r:id="rId3" action="ppaction://hlinksldjump" highlightClick="1"/>
+          </p:cNvPr>
+          <p:cNvSpPr/>
+          <p:nvPr/>
+        </p:nvSpPr>
+        <p:spPr>
+          <a:xfrm>
+            <a:off x="10390090" y="6001290"/>
+            <a:ext cx="894735" cy="562897"/>
+          </a:xfrm>
+          <a:prstGeom prst="actionButtonHome">
+            <a:avLst/>
+          </a:prstGeom>
+        </p:spPr>
+        <p:style>
+          <a:lnRef idx="2">
+            <a:schemeClr val="accent1">
+              <a:shade val="50000"/>
+            </a:schemeClr>
+          </a:lnRef>
+          <a:fillRef idx="1">
+            <a:schemeClr val="accent1"/>
+          </a:fillRef>
+          <a:effectRef idx="0">
+            <a:schemeClr val="accent1"/>
+          </a:effectRef>
+          <a:fontRef idx="minor">
+            <a:schemeClr val="lt1"/>
+          </a:fontRef>
+        </p:style>
+        <p:txBody>
+          <a:bodyPr rtlCol="0" anchor="ctr"/>
+          <a:lstStyle/>
+          <a:p>
+            <a:pPr algn="ctr"/>
+            <a:endParaRPr lang="ru-RU"/>
+          </a:p>
+        </p:txBody>
+      </p:sp>
+      <p:sp>
+        <p:nvSpPr>
+          <p:cNvPr id="3" name="Slide Number Placeholder 2"/>
+          <p:cNvSpPr>
+            <a:spLocks noGrp="1"/>
+          </p:cNvSpPr>
+          <p:nvPr>
+            <p:ph type="sldNum" sz="quarter" idx="12"/>
+          </p:nvPr>
+        </p:nvSpPr>
+        <p:spPr/>
+        <p:txBody>
+          <a:bodyPr/>
+          <a:lstStyle/>
+          <a:p>
+            <a:fld id="{D57F1E4F-1CFF-5643-939E-217C01CDF565}" type="slidenum">
+              <a:rPr lang="en-US" smtClean="0"/>
+              <a:pPr/>
+              <a:t>6</a:t>
+            </a:fld>
+            <a:endParaRPr lang="en-US" dirty="0"/>
+          </a:p>
+        </p:txBody>
+      </p:sp>
     </p:spTree>
     <p:extLst>
       <p:ext uri="{BB962C8B-B14F-4D97-AF65-F5344CB8AC3E}">
@@ -4636,6 +5574,13 @@
   <p:clrMapOvr>
     <a:masterClrMapping/>
   </p:clrMapOvr>
+  <p:timing>
+    <p:tnLst>
+      <p:par>
+        <p:cTn id="1" dur="indefinite" restart="never" nodeType="tmRoot"/>
+      </p:par>
+    </p:tnLst>
+  </p:timing>
 </p:sld>
 </file>
 
@@ -4717,6 +5662,72 @@
           </a:p>
         </p:txBody>
       </p:sp>
+      <p:sp>
+        <p:nvSpPr>
+          <p:cNvPr id="4" name="Action Button: Home 3">
+            <a:hlinkClick r:id="rId2" action="ppaction://hlinksldjump" highlightClick="1"/>
+          </p:cNvPr>
+          <p:cNvSpPr/>
+          <p:nvPr/>
+        </p:nvSpPr>
+        <p:spPr>
+          <a:xfrm>
+            <a:off x="10443153" y="5956137"/>
+            <a:ext cx="894735" cy="562897"/>
+          </a:xfrm>
+          <a:prstGeom prst="actionButtonHome">
+            <a:avLst/>
+          </a:prstGeom>
+        </p:spPr>
+        <p:style>
+          <a:lnRef idx="2">
+            <a:schemeClr val="accent1">
+              <a:shade val="50000"/>
+            </a:schemeClr>
+          </a:lnRef>
+          <a:fillRef idx="1">
+            <a:schemeClr val="accent1"/>
+          </a:fillRef>
+          <a:effectRef idx="0">
+            <a:schemeClr val="accent1"/>
+          </a:effectRef>
+          <a:fontRef idx="minor">
+            <a:schemeClr val="lt1"/>
+          </a:fontRef>
+        </p:style>
+        <p:txBody>
+          <a:bodyPr rtlCol="0" anchor="ctr"/>
+          <a:lstStyle/>
+          <a:p>
+            <a:pPr algn="ctr"/>
+            <a:endParaRPr lang="ru-RU"/>
+          </a:p>
+        </p:txBody>
+      </p:sp>
+      <p:sp>
+        <p:nvSpPr>
+          <p:cNvPr id="5" name="Slide Number Placeholder 4"/>
+          <p:cNvSpPr>
+            <a:spLocks noGrp="1"/>
+          </p:cNvSpPr>
+          <p:nvPr>
+            <p:ph type="sldNum" sz="quarter" idx="12"/>
+          </p:nvPr>
+        </p:nvSpPr>
+        <p:spPr/>
+        <p:txBody>
+          <a:bodyPr/>
+          <a:lstStyle/>
+          <a:p>
+            <a:fld id="{D57F1E4F-1CFF-5643-939E-217C01CDF565}" type="slidenum">
+              <a:rPr lang="en-US" smtClean="0"/>
+              <a:pPr/>
+              <a:t>7</a:t>
+            </a:fld>
+            <a:endParaRPr lang="en-US" dirty="0"/>
+          </a:p>
+        </p:txBody>
+      </p:sp>
     </p:spTree>
     <p:extLst>
       <p:ext uri="{BB962C8B-B14F-4D97-AF65-F5344CB8AC3E}">
@@ -4727,6 +5738,13 @@
   <p:clrMapOvr>
     <a:masterClrMapping/>
   </p:clrMapOvr>
+  <p:timing>
+    <p:tnLst>
+      <p:par>
+        <p:cTn id="1" dur="indefinite" restart="never" nodeType="tmRoot"/>
+      </p:par>
+    </p:tnLst>
+  </p:timing>
 </p:sld>
 </file>
 
@@ -4892,6 +5910,72 @@
           </a:prstGeom>
         </p:spPr>
       </p:pic>
+      <p:sp>
+        <p:nvSpPr>
+          <p:cNvPr id="9" name="Action Button: Home 8">
+            <a:hlinkClick r:id="rId7" action="ppaction://hlinksldjump" highlightClick="1"/>
+          </p:cNvPr>
+          <p:cNvSpPr/>
+          <p:nvPr/>
+        </p:nvSpPr>
+        <p:spPr>
+          <a:xfrm>
+            <a:off x="10415847" y="5951414"/>
+            <a:ext cx="894735" cy="562897"/>
+          </a:xfrm>
+          <a:prstGeom prst="actionButtonHome">
+            <a:avLst/>
+          </a:prstGeom>
+        </p:spPr>
+        <p:style>
+          <a:lnRef idx="2">
+            <a:schemeClr val="accent1">
+              <a:shade val="50000"/>
+            </a:schemeClr>
+          </a:lnRef>
+          <a:fillRef idx="1">
+            <a:schemeClr val="accent1"/>
+          </a:fillRef>
+          <a:effectRef idx="0">
+            <a:schemeClr val="accent1"/>
+          </a:effectRef>
+          <a:fontRef idx="minor">
+            <a:schemeClr val="lt1"/>
+          </a:fontRef>
+        </p:style>
+        <p:txBody>
+          <a:bodyPr rtlCol="0" anchor="ctr"/>
+          <a:lstStyle/>
+          <a:p>
+            <a:pPr algn="ctr"/>
+            <a:endParaRPr lang="ru-RU"/>
+          </a:p>
+        </p:txBody>
+      </p:sp>
+      <p:sp>
+        <p:nvSpPr>
+          <p:cNvPr id="3" name="Slide Number Placeholder 2"/>
+          <p:cNvSpPr>
+            <a:spLocks noGrp="1"/>
+          </p:cNvSpPr>
+          <p:nvPr>
+            <p:ph type="sldNum" sz="quarter" idx="12"/>
+          </p:nvPr>
+        </p:nvSpPr>
+        <p:spPr/>
+        <p:txBody>
+          <a:bodyPr/>
+          <a:lstStyle/>
+          <a:p>
+            <a:fld id="{D57F1E4F-1CFF-5643-939E-217C01CDF565}" type="slidenum">
+              <a:rPr lang="en-US" smtClean="0"/>
+              <a:pPr/>
+              <a:t>8</a:t>
+            </a:fld>
+            <a:endParaRPr lang="en-US" dirty="0"/>
+          </a:p>
+        </p:txBody>
+      </p:sp>
     </p:spTree>
     <p:extLst>
       <p:ext uri="{BB962C8B-B14F-4D97-AF65-F5344CB8AC3E}">
@@ -4902,6 +5986,13 @@
   <p:clrMapOvr>
     <a:masterClrMapping/>
   </p:clrMapOvr>
+  <p:timing>
+    <p:tnLst>
+      <p:par>
+        <p:cTn id="1" dur="indefinite" restart="never" nodeType="tmRoot"/>
+      </p:par>
+    </p:tnLst>
+  </p:timing>
 </p:sld>
 </file>
 
@@ -5067,6 +6158,72 @@
           </a:prstGeom>
         </p:spPr>
       </p:pic>
+      <p:sp>
+        <p:nvSpPr>
+          <p:cNvPr id="9" name="Action Button: Home 8">
+            <a:hlinkClick r:id="rId7" action="ppaction://hlinksldjump" highlightClick="1"/>
+          </p:cNvPr>
+          <p:cNvSpPr/>
+          <p:nvPr/>
+        </p:nvSpPr>
+        <p:spPr>
+          <a:xfrm>
+            <a:off x="10384525" y="5956137"/>
+            <a:ext cx="894735" cy="562897"/>
+          </a:xfrm>
+          <a:prstGeom prst="actionButtonHome">
+            <a:avLst/>
+          </a:prstGeom>
+        </p:spPr>
+        <p:style>
+          <a:lnRef idx="2">
+            <a:schemeClr val="accent1">
+              <a:shade val="50000"/>
+            </a:schemeClr>
+          </a:lnRef>
+          <a:fillRef idx="1">
+            <a:schemeClr val="accent1"/>
+          </a:fillRef>
+          <a:effectRef idx="0">
+            <a:schemeClr val="accent1"/>
+          </a:effectRef>
+          <a:fontRef idx="minor">
+            <a:schemeClr val="lt1"/>
+          </a:fontRef>
+        </p:style>
+        <p:txBody>
+          <a:bodyPr rtlCol="0" anchor="ctr"/>
+          <a:lstStyle/>
+          <a:p>
+            <a:pPr algn="ctr"/>
+            <a:endParaRPr lang="ru-RU"/>
+          </a:p>
+        </p:txBody>
+      </p:sp>
+      <p:sp>
+        <p:nvSpPr>
+          <p:cNvPr id="3" name="Slide Number Placeholder 2"/>
+          <p:cNvSpPr>
+            <a:spLocks noGrp="1"/>
+          </p:cNvSpPr>
+          <p:nvPr>
+            <p:ph type="sldNum" sz="quarter" idx="12"/>
+          </p:nvPr>
+        </p:nvSpPr>
+        <p:spPr/>
+        <p:txBody>
+          <a:bodyPr/>
+          <a:lstStyle/>
+          <a:p>
+            <a:fld id="{D57F1E4F-1CFF-5643-939E-217C01CDF565}" type="slidenum">
+              <a:rPr lang="en-US" smtClean="0"/>
+              <a:pPr/>
+              <a:t>9</a:t>
+            </a:fld>
+            <a:endParaRPr lang="en-US" dirty="0"/>
+          </a:p>
+        </p:txBody>
+      </p:sp>
     </p:spTree>
     <p:extLst>
       <p:ext uri="{BB962C8B-B14F-4D97-AF65-F5344CB8AC3E}">
@@ -5077,6 +6234,13 @@
   <p:clrMapOvr>
     <a:masterClrMapping/>
   </p:clrMapOvr>
+  <p:timing>
+    <p:tnLst>
+      <p:par>
+        <p:cTn id="1" dur="indefinite" restart="never" nodeType="tmRoot"/>
+      </p:par>
+    </p:tnLst>
+  </p:timing>
 </p:sld>
 </file>
 
@@ -5347,4 +6511,265 @@
     </a:ext>
   </a:extLst>
 </a:theme>
+</file>
+
+<file path=ppt/theme/theme2.xml><?xml version="1.0" encoding="utf-8"?>
+<a:theme xmlns:a="http://schemas.openxmlformats.org/drawingml/2006/main" name="Office Theme">
+  <a:themeElements>
+    <a:clrScheme name="Office">
+      <a:dk1>
+        <a:sysClr val="windowText" lastClr="000000"/>
+      </a:dk1>
+      <a:lt1>
+        <a:sysClr val="window" lastClr="FFFFFF"/>
+      </a:lt1>
+      <a:dk2>
+        <a:srgbClr val="44546A"/>
+      </a:dk2>
+      <a:lt2>
+        <a:srgbClr val="E7E6E6"/>
+      </a:lt2>
+      <a:accent1>
+        <a:srgbClr val="5B9BD5"/>
+      </a:accent1>
+      <a:accent2>
+        <a:srgbClr val="ED7D31"/>
+      </a:accent2>
+      <a:accent3>
+        <a:srgbClr val="A5A5A5"/>
+      </a:accent3>
+      <a:accent4>
+        <a:srgbClr val="FFC000"/>
+      </a:accent4>
+      <a:accent5>
+        <a:srgbClr val="4472C4"/>
+      </a:accent5>
+      <a:accent6>
+        <a:srgbClr val="70AD47"/>
+      </a:accent6>
+      <a:hlink>
+        <a:srgbClr val="0563C1"/>
+      </a:hlink>
+      <a:folHlink>
+        <a:srgbClr val="954F72"/>
+      </a:folHlink>
+    </a:clrScheme>
+    <a:fontScheme name="Office">
+      <a:majorFont>
+        <a:latin typeface="Calibri Light" panose="020F0302020204030204"/>
+        <a:ea typeface=""/>
+        <a:cs typeface=""/>
+        <a:font script="Jpan" typeface="游ゴシック Light"/>
+        <a:font script="Hang" typeface="맑은 고딕"/>
+        <a:font script="Hans" typeface="等线 Light"/>
+        <a:font script="Hant" typeface="新細明體"/>
+        <a:font script="Arab" typeface="Times New Roman"/>
+        <a:font script="Hebr" typeface="Times New Roman"/>
+        <a:font script="Thai" typeface="Angsana New"/>
+        <a:font script="Ethi" typeface="Nyala"/>
+        <a:font script="Beng" typeface="Vrinda"/>
+        <a:font script="Gujr" typeface="Shruti"/>
+        <a:font script="Khmr" typeface="MoolBoran"/>
+        <a:font script="Knda" typeface="Tunga"/>
+        <a:font script="Guru" typeface="Raavi"/>
+        <a:font script="Cans" typeface="Euphemia"/>
+        <a:font script="Cher" typeface="Plantagenet Cherokee"/>
+        <a:font script="Yiii" typeface="Microsoft Yi Baiti"/>
+        <a:font script="Tibt" typeface="Microsoft Himalaya"/>
+        <a:font script="Thaa" typeface="MV Boli"/>
+        <a:font script="Deva" typeface="Mangal"/>
+        <a:font script="Telu" typeface="Gautami"/>
+        <a:font script="Taml" typeface="Latha"/>
+        <a:font script="Syrc" typeface="Estrangelo Edessa"/>
+        <a:font script="Orya" typeface="Kalinga"/>
+        <a:font script="Mlym" typeface="Kartika"/>
+        <a:font script="Laoo" typeface="DokChampa"/>
+        <a:font script="Sinh" typeface="Iskoola Pota"/>
+        <a:font script="Mong" typeface="Mongolian Baiti"/>
+        <a:font script="Viet" typeface="Times New Roman"/>
+        <a:font script="Uigh" typeface="Microsoft Uighur"/>
+        <a:font script="Geor" typeface="Sylfaen"/>
+      </a:majorFont>
+      <a:minorFont>
+        <a:latin typeface="Calibri" panose="020F0502020204030204"/>
+        <a:ea typeface=""/>
+        <a:cs typeface=""/>
+        <a:font script="Jpan" typeface="游ゴシック"/>
+        <a:font script="Hang" typeface="맑은 고딕"/>
+        <a:font script="Hans" typeface="等线"/>
+        <a:font script="Hant" typeface="新細明體"/>
+        <a:font script="Arab" typeface="Arial"/>
+        <a:font script="Hebr" typeface="Arial"/>
+        <a:font script="Thai" typeface="Cordia New"/>
+        <a:font script="Ethi" typeface="Nyala"/>
+        <a:font script="Beng" typeface="Vrinda"/>
+        <a:font script="Gujr" typeface="Shruti"/>
+        <a:font script="Khmr" typeface="DaunPenh"/>
+        <a:font script="Knda" typeface="Tunga"/>
+        <a:font script="Guru" typeface="Raavi"/>
+        <a:font script="Cans" typeface="Euphemia"/>
+        <a:font script="Cher" typeface="Plantagenet Cherokee"/>
+        <a:font script="Yiii" typeface="Microsoft Yi Baiti"/>
+        <a:font script="Tibt" typeface="Microsoft Himalaya"/>
+        <a:font script="Thaa" typeface="MV Boli"/>
+        <a:font script="Deva" typeface="Mangal"/>
+        <a:font script="Telu" typeface="Gautami"/>
+        <a:font script="Taml" typeface="Latha"/>
+        <a:font script="Syrc" typeface="Estrangelo Edessa"/>
+        <a:font script="Orya" typeface="Kalinga"/>
+        <a:font script="Mlym" typeface="Kartika"/>
+        <a:font script="Laoo" typeface="DokChampa"/>
+        <a:font script="Sinh" typeface="Iskoola Pota"/>
+        <a:font script="Mong" typeface="Mongolian Baiti"/>
+        <a:font script="Viet" typeface="Arial"/>
+        <a:font script="Uigh" typeface="Microsoft Uighur"/>
+        <a:font script="Geor" typeface="Sylfaen"/>
+      </a:minorFont>
+    </a:fontScheme>
+    <a:fmtScheme name="Office">
+      <a:fillStyleLst>
+        <a:solidFill>
+          <a:schemeClr val="phClr"/>
+        </a:solidFill>
+        <a:gradFill rotWithShape="1">
+          <a:gsLst>
+            <a:gs pos="0">
+              <a:schemeClr val="phClr">
+                <a:lumMod val="110000"/>
+                <a:satMod val="105000"/>
+                <a:tint val="67000"/>
+              </a:schemeClr>
+            </a:gs>
+            <a:gs pos="50000">
+              <a:schemeClr val="phClr">
+                <a:lumMod val="105000"/>
+                <a:satMod val="103000"/>
+                <a:tint val="73000"/>
+              </a:schemeClr>
+            </a:gs>
+            <a:gs pos="100000">
+              <a:schemeClr val="phClr">
+                <a:lumMod val="105000"/>
+                <a:satMod val="109000"/>
+                <a:tint val="81000"/>
+              </a:schemeClr>
+            </a:gs>
+          </a:gsLst>
+          <a:lin ang="5400000" scaled="0"/>
+        </a:gradFill>
+        <a:gradFill rotWithShape="1">
+          <a:gsLst>
+            <a:gs pos="0">
+              <a:schemeClr val="phClr">
+                <a:satMod val="103000"/>
+                <a:lumMod val="102000"/>
+                <a:tint val="94000"/>
+              </a:schemeClr>
+            </a:gs>
+            <a:gs pos="50000">
+              <a:schemeClr val="phClr">
+                <a:satMod val="110000"/>
+                <a:lumMod val="100000"/>
+                <a:shade val="100000"/>
+              </a:schemeClr>
+            </a:gs>
+            <a:gs pos="100000">
+              <a:schemeClr val="phClr">
+                <a:lumMod val="99000"/>
+                <a:satMod val="120000"/>
+                <a:shade val="78000"/>
+              </a:schemeClr>
+            </a:gs>
+          </a:gsLst>
+          <a:lin ang="5400000" scaled="0"/>
+        </a:gradFill>
+      </a:fillStyleLst>
+      <a:lnStyleLst>
+        <a:ln w="6350" cap="flat" cmpd="sng" algn="ctr">
+          <a:solidFill>
+            <a:schemeClr val="phClr"/>
+          </a:solidFill>
+          <a:prstDash val="solid"/>
+          <a:miter lim="800000"/>
+        </a:ln>
+        <a:ln w="12700" cap="flat" cmpd="sng" algn="ctr">
+          <a:solidFill>
+            <a:schemeClr val="phClr"/>
+          </a:solidFill>
+          <a:prstDash val="solid"/>
+          <a:miter lim="800000"/>
+        </a:ln>
+        <a:ln w="19050" cap="flat" cmpd="sng" algn="ctr">
+          <a:solidFill>
+            <a:schemeClr val="phClr"/>
+          </a:solidFill>
+          <a:prstDash val="solid"/>
+          <a:miter lim="800000"/>
+        </a:ln>
+      </a:lnStyleLst>
+      <a:effectStyleLst>
+        <a:effectStyle>
+          <a:effectLst/>
+        </a:effectStyle>
+        <a:effectStyle>
+          <a:effectLst/>
+        </a:effectStyle>
+        <a:effectStyle>
+          <a:effectLst>
+            <a:outerShdw blurRad="57150" dist="19050" dir="5400000" algn="ctr" rotWithShape="0">
+              <a:srgbClr val="000000">
+                <a:alpha val="63000"/>
+              </a:srgbClr>
+            </a:outerShdw>
+          </a:effectLst>
+        </a:effectStyle>
+      </a:effectStyleLst>
+      <a:bgFillStyleLst>
+        <a:solidFill>
+          <a:schemeClr val="phClr"/>
+        </a:solidFill>
+        <a:solidFill>
+          <a:schemeClr val="phClr">
+            <a:tint val="95000"/>
+            <a:satMod val="170000"/>
+          </a:schemeClr>
+        </a:solidFill>
+        <a:gradFill rotWithShape="1">
+          <a:gsLst>
+            <a:gs pos="0">
+              <a:schemeClr val="phClr">
+                <a:tint val="93000"/>
+                <a:satMod val="150000"/>
+                <a:shade val="98000"/>
+                <a:lumMod val="102000"/>
+              </a:schemeClr>
+            </a:gs>
+            <a:gs pos="50000">
+              <a:schemeClr val="phClr">
+                <a:tint val="98000"/>
+                <a:satMod val="130000"/>
+                <a:shade val="90000"/>
+                <a:lumMod val="103000"/>
+              </a:schemeClr>
+            </a:gs>
+            <a:gs pos="100000">
+              <a:schemeClr val="phClr">
+                <a:shade val="63000"/>
+                <a:satMod val="120000"/>
+              </a:schemeClr>
+            </a:gs>
+          </a:gsLst>
+          <a:lin ang="5400000" scaled="0"/>
+        </a:gradFill>
+      </a:bgFillStyleLst>
+    </a:fmtScheme>
+  </a:themeElements>
+  <a:objectDefaults/>
+  <a:extraClrSchemeLst/>
+  <a:extLst>
+    <a:ext uri="{05A4C25C-085E-4340-85A3-A5531E510DB2}">
+      <thm15:themeFamily xmlns:thm15="http://schemas.microsoft.com/office/thememl/2012/main" name="Office Theme" id="{62F939B6-93AF-4DB8-9C6B-D6C7DFDC589F}" vid="{4A3C46E8-61CC-4603-A589-7422A47A8E4A}"/>
+    </a:ext>
+  </a:extLst>
+</a:theme>
 </file>
--- a/Hotels.pptx
+++ b/Hotels.pptx
@@ -2,10 +2,10 @@
 <file path=ppt/presentation.xml><?xml version="1.0" encoding="utf-8"?>
 <p:presentation xmlns:a="http://schemas.openxmlformats.org/drawingml/2006/main" xmlns:r="http://schemas.openxmlformats.org/officeDocument/2006/relationships" xmlns:p="http://schemas.openxmlformats.org/presentationml/2006/main" autoCompressPictures="0">
   <p:sldMasterIdLst>
-    <p:sldMasterId id="2147483648" r:id="rId1"/>
+    <p:sldMasterId id="2147483672" r:id="rId1"/>
   </p:sldMasterIdLst>
   <p:notesMasterIdLst>
-    <p:notesMasterId r:id="rId13"/>
+    <p:notesMasterId r:id="rId14"/>
   </p:notesMasterIdLst>
   <p:sldIdLst>
     <p:sldId id="256" r:id="rId2"/>
@@ -17,8 +17,9 @@
     <p:sldId id="262" r:id="rId8"/>
     <p:sldId id="263" r:id="rId9"/>
     <p:sldId id="264" r:id="rId10"/>
-    <p:sldId id="265" r:id="rId11"/>
-    <p:sldId id="266" r:id="rId12"/>
+    <p:sldId id="267" r:id="rId11"/>
+    <p:sldId id="265" r:id="rId12"/>
+    <p:sldId id="266" r:id="rId13"/>
   </p:sldIdLst>
   <p:sldSz cx="12192000" cy="6858000"/>
   <p:notesSz cx="6858000" cy="9144000"/>
@@ -207,7 +208,7 @@
           <a:p>
             <a:fld id="{2E3EF141-1A1E-4A7C-9641-C19014601D10}" type="datetimeFigureOut">
               <a:rPr lang="en-GB" smtClean="0"/>
-              <a:t>14/04/2023</a:t>
+              <a:t>20/04/2023</a:t>
             </a:fld>
             <a:endParaRPr lang="en-GB"/>
           </a:p>
@@ -720,7 +721,7 @@
           <a:p>
             <a:fld id="{33F7060E-63DD-4DD4-92DA-7C11B6473D21}" type="datetime1">
               <a:rPr lang="en-US" smtClean="0"/>
-              <a:t>4/14/2023</a:t>
+              <a:t>4/20/2023</a:t>
             </a:fld>
             <a:endParaRPr lang="en-US" dirty="0"/>
           </a:p>
@@ -793,7 +794,7 @@
           </a:lstStyle>
           <a:p>
             <a:fld id="{D57F1E4F-1CFF-5643-939E-217C01CDF565}" type="slidenum">
-              <a:rPr lang="en-US" dirty="0"/>
+              <a:rPr lang="en-US" smtClean="0"/>
               <a:pPr/>
               <a:t>‹#›</a:t>
             </a:fld>
@@ -802,6 +803,11 @@
         </p:txBody>
       </p:sp>
     </p:spTree>
+    <p:extLst>
+      <p:ext uri="{BB962C8B-B14F-4D97-AF65-F5344CB8AC3E}">
+        <p14:creationId xmlns:p14="http://schemas.microsoft.com/office/powerpoint/2010/main" val="1238128742"/>
+      </p:ext>
+    </p:extLst>
   </p:cSld>
   <p:clrMapOvr>
     <a:masterClrMapping/>
@@ -978,7 +984,7 @@
           <a:p>
             <a:fld id="{03C468B7-0AB6-44F6-9E75-D0FB51D30E4A}" type="datetime1">
               <a:rPr lang="en-US" smtClean="0"/>
-              <a:t>4/14/2023</a:t>
+              <a:t>4/20/2023</a:t>
             </a:fld>
             <a:endParaRPr lang="en-US" dirty="0"/>
           </a:p>
@@ -1019,7 +1025,7 @@
           <a:lstStyle/>
           <a:p>
             <a:fld id="{D57F1E4F-1CFF-5643-939E-217C01CDF565}" type="slidenum">
-              <a:rPr lang="en-US" dirty="0"/>
+              <a:rPr lang="en-US" smtClean="0"/>
               <a:pPr/>
               <a:t>‹#›</a:t>
             </a:fld>
@@ -1028,6 +1034,11 @@
         </p:txBody>
       </p:sp>
     </p:spTree>
+    <p:extLst>
+      <p:ext uri="{BB962C8B-B14F-4D97-AF65-F5344CB8AC3E}">
+        <p14:creationId xmlns:p14="http://schemas.microsoft.com/office/powerpoint/2010/main" val="4204364339"/>
+      </p:ext>
+    </p:extLst>
   </p:cSld>
   <p:clrMapOvr>
     <a:masterClrMapping/>
@@ -1209,7 +1220,7 @@
           <a:p>
             <a:fld id="{CCC63C3C-CA34-440E-BABF-F28B8F1A73F5}" type="datetime1">
               <a:rPr lang="en-US" smtClean="0"/>
-              <a:t>4/14/2023</a:t>
+              <a:t>4/20/2023</a:t>
             </a:fld>
             <a:endParaRPr lang="en-US" dirty="0"/>
           </a:p>
@@ -1271,7 +1282,7 @@
           </a:lstStyle>
           <a:p>
             <a:fld id="{D57F1E4F-1CFF-5643-939E-217C01CDF565}" type="slidenum">
-              <a:rPr lang="en-US" dirty="0"/>
+              <a:rPr lang="en-US" smtClean="0"/>
               <a:pPr/>
               <a:t>‹#›</a:t>
             </a:fld>
@@ -1280,6 +1291,11 @@
         </p:txBody>
       </p:sp>
     </p:spTree>
+    <p:extLst>
+      <p:ext uri="{BB962C8B-B14F-4D97-AF65-F5344CB8AC3E}">
+        <p14:creationId xmlns:p14="http://schemas.microsoft.com/office/powerpoint/2010/main" val="2863377602"/>
+      </p:ext>
+    </p:extLst>
   </p:cSld>
   <p:clrMapOvr>
     <a:masterClrMapping/>
@@ -1445,7 +1461,7 @@
           <a:p>
             <a:fld id="{227E86E2-F779-4312-B406-ABBC6A8DE491}" type="datetime1">
               <a:rPr lang="en-US" smtClean="0"/>
-              <a:t>4/14/2023</a:t>
+              <a:t>4/20/2023</a:t>
             </a:fld>
             <a:endParaRPr lang="en-US" dirty="0"/>
           </a:p>
@@ -1491,7 +1507,7 @@
           <a:lstStyle/>
           <a:p>
             <a:fld id="{D57F1E4F-1CFF-5643-939E-217C01CDF565}" type="slidenum">
-              <a:rPr lang="en-US" dirty="0"/>
+              <a:rPr lang="en-US" smtClean="0"/>
               <a:pPr/>
               <a:t>‹#›</a:t>
             </a:fld>
@@ -1500,6 +1516,11 @@
         </p:txBody>
       </p:sp>
     </p:spTree>
+    <p:extLst>
+      <p:ext uri="{BB962C8B-B14F-4D97-AF65-F5344CB8AC3E}">
+        <p14:creationId xmlns:p14="http://schemas.microsoft.com/office/powerpoint/2010/main" val="2933683977"/>
+      </p:ext>
+    </p:extLst>
   </p:cSld>
   <p:clrMapOvr>
     <a:masterClrMapping/>
@@ -1748,7 +1769,7 @@
           <a:p>
             <a:fld id="{8A44FC59-7C24-47FE-8D41-91CF5785150D}" type="datetime1">
               <a:rPr lang="en-US" smtClean="0"/>
-              <a:t>4/14/2023</a:t>
+              <a:t>4/20/2023</a:t>
             </a:fld>
             <a:endParaRPr lang="en-US" dirty="0"/>
           </a:p>
@@ -1811,7 +1832,7 @@
           </a:lstStyle>
           <a:p>
             <a:fld id="{D57F1E4F-1CFF-5643-939E-217C01CDF565}" type="slidenum">
-              <a:rPr lang="en-US" dirty="0"/>
+              <a:rPr lang="en-US" smtClean="0"/>
               <a:pPr/>
               <a:t>‹#›</a:t>
             </a:fld>
@@ -1820,6 +1841,11 @@
         </p:txBody>
       </p:sp>
     </p:spTree>
+    <p:extLst>
+      <p:ext uri="{BB962C8B-B14F-4D97-AF65-F5344CB8AC3E}">
+        <p14:creationId xmlns:p14="http://schemas.microsoft.com/office/powerpoint/2010/main" val="2823726543"/>
+      </p:ext>
+    </p:extLst>
   </p:cSld>
   <p:clrMapOvr>
     <a:masterClrMapping/>
@@ -2046,7 +2072,7 @@
           <a:p>
             <a:fld id="{8577A450-A437-4C1C-B9CB-4EFFCEF3DE58}" type="datetime1">
               <a:rPr lang="en-US" smtClean="0"/>
-              <a:t>4/14/2023</a:t>
+              <a:t>4/20/2023</a:t>
             </a:fld>
             <a:endParaRPr lang="en-US" dirty="0"/>
           </a:p>
@@ -2087,7 +2113,7 @@
           <a:lstStyle/>
           <a:p>
             <a:fld id="{D57F1E4F-1CFF-5643-939E-217C01CDF565}" type="slidenum">
-              <a:rPr lang="en-US" dirty="0"/>
+              <a:rPr lang="en-US" smtClean="0"/>
               <a:pPr/>
               <a:t>‹#›</a:t>
             </a:fld>
@@ -2096,6 +2122,11 @@
         </p:txBody>
       </p:sp>
     </p:spTree>
+    <p:extLst>
+      <p:ext uri="{BB962C8B-B14F-4D97-AF65-F5344CB8AC3E}">
+        <p14:creationId xmlns:p14="http://schemas.microsoft.com/office/powerpoint/2010/main" val="2301042703"/>
+      </p:ext>
+    </p:extLst>
   </p:cSld>
   <p:clrMapOvr>
     <a:masterClrMapping/>
@@ -2464,7 +2495,7 @@
           <a:p>
             <a:fld id="{54F13794-F170-4B9C-B28F-C3E9047DD084}" type="datetime1">
               <a:rPr lang="en-US" smtClean="0"/>
-              <a:t>4/14/2023</a:t>
+              <a:t>4/20/2023</a:t>
             </a:fld>
             <a:endParaRPr lang="en-US" dirty="0"/>
           </a:p>
@@ -2505,7 +2536,7 @@
           <a:lstStyle/>
           <a:p>
             <a:fld id="{D57F1E4F-1CFF-5643-939E-217C01CDF565}" type="slidenum">
-              <a:rPr lang="en-US" dirty="0"/>
+              <a:rPr lang="en-US" smtClean="0"/>
               <a:pPr/>
               <a:t>‹#›</a:t>
             </a:fld>
@@ -2514,6 +2545,11 @@
         </p:txBody>
       </p:sp>
     </p:spTree>
+    <p:extLst>
+      <p:ext uri="{BB962C8B-B14F-4D97-AF65-F5344CB8AC3E}">
+        <p14:creationId xmlns:p14="http://schemas.microsoft.com/office/powerpoint/2010/main" val="1593510792"/>
+      </p:ext>
+    </p:extLst>
   </p:cSld>
   <p:clrMapOvr>
     <a:masterClrMapping/>
@@ -2622,7 +2658,7 @@
           <a:p>
             <a:fld id="{74DA2D40-5D5D-4391-91FB-1F3A7C9A25F4}" type="datetime1">
               <a:rPr lang="en-US" smtClean="0"/>
-              <a:t>4/14/2023</a:t>
+              <a:t>4/20/2023</a:t>
             </a:fld>
             <a:endParaRPr lang="en-US" dirty="0"/>
           </a:p>
@@ -2663,7 +2699,7 @@
           <a:lstStyle/>
           <a:p>
             <a:fld id="{D57F1E4F-1CFF-5643-939E-217C01CDF565}" type="slidenum">
-              <a:rPr lang="en-US" dirty="0"/>
+              <a:rPr lang="en-US" smtClean="0"/>
               <a:pPr/>
               <a:t>‹#›</a:t>
             </a:fld>
@@ -2672,6 +2708,11 @@
         </p:txBody>
       </p:sp>
     </p:spTree>
+    <p:extLst>
+      <p:ext uri="{BB962C8B-B14F-4D97-AF65-F5344CB8AC3E}">
+        <p14:creationId xmlns:p14="http://schemas.microsoft.com/office/powerpoint/2010/main" val="2799037204"/>
+      </p:ext>
+    </p:extLst>
   </p:cSld>
   <p:clrMapOvr>
     <a:masterClrMapping/>
@@ -2713,7 +2754,7 @@
           <a:p>
             <a:fld id="{4E6AB9C1-635F-4BFA-AD43-227B2E5D9FE6}" type="datetime1">
               <a:rPr lang="en-US" smtClean="0"/>
-              <a:t>4/14/2023</a:t>
+              <a:t>4/20/2023</a:t>
             </a:fld>
             <a:endParaRPr lang="en-US" dirty="0"/>
           </a:p>
@@ -2754,7 +2795,7 @@
           <a:lstStyle/>
           <a:p>
             <a:fld id="{D57F1E4F-1CFF-5643-939E-217C01CDF565}" type="slidenum">
-              <a:rPr lang="en-US" dirty="0"/>
+              <a:rPr lang="en-US" smtClean="0"/>
               <a:pPr/>
               <a:t>‹#›</a:t>
             </a:fld>
@@ -2763,6 +2804,11 @@
         </p:txBody>
       </p:sp>
     </p:spTree>
+    <p:extLst>
+      <p:ext uri="{BB962C8B-B14F-4D97-AF65-F5344CB8AC3E}">
+        <p14:creationId xmlns:p14="http://schemas.microsoft.com/office/powerpoint/2010/main" val="3036295786"/>
+      </p:ext>
+    </p:extLst>
   </p:cSld>
   <p:clrMapOvr>
     <a:masterClrMapping/>
@@ -3087,7 +3133,7 @@
           <a:p>
             <a:fld id="{5D283BC3-0B20-4251-AD27-29FB42CE0A27}" type="datetime1">
               <a:rPr lang="en-US" smtClean="0"/>
-              <a:t>4/14/2023</a:t>
+              <a:t>4/20/2023</a:t>
             </a:fld>
             <a:endParaRPr lang="en-US" dirty="0"/>
           </a:p>
@@ -3150,7 +3196,7 @@
           </a:lstStyle>
           <a:p>
             <a:fld id="{D57F1E4F-1CFF-5643-939E-217C01CDF565}" type="slidenum">
-              <a:rPr lang="en-US" dirty="0"/>
+              <a:rPr lang="en-US" smtClean="0"/>
               <a:pPr/>
               <a:t>‹#›</a:t>
             </a:fld>
@@ -3159,6 +3205,11 @@
         </p:txBody>
       </p:sp>
     </p:spTree>
+    <p:extLst>
+      <p:ext uri="{BB962C8B-B14F-4D97-AF65-F5344CB8AC3E}">
+        <p14:creationId xmlns:p14="http://schemas.microsoft.com/office/powerpoint/2010/main" val="613217771"/>
+      </p:ext>
+    </p:extLst>
   </p:cSld>
   <p:clrMapOvr>
     <a:masterClrMapping/>
@@ -3372,7 +3423,7 @@
           <a:p>
             <a:fld id="{28133ABD-BF67-498B-9590-68AA17487E06}" type="datetime1">
               <a:rPr lang="en-US" smtClean="0"/>
-              <a:t>4/14/2023</a:t>
+              <a:t>4/20/2023</a:t>
             </a:fld>
             <a:endParaRPr lang="en-US" dirty="0"/>
           </a:p>
@@ -3413,7 +3464,7 @@
           <a:lstStyle/>
           <a:p>
             <a:fld id="{D57F1E4F-1CFF-5643-939E-217C01CDF565}" type="slidenum">
-              <a:rPr lang="en-US" dirty="0"/>
+              <a:rPr lang="en-US" smtClean="0"/>
               <a:pPr/>
               <a:t>‹#›</a:t>
             </a:fld>
@@ -3422,6 +3473,11 @@
         </p:txBody>
       </p:sp>
     </p:spTree>
+    <p:extLst>
+      <p:ext uri="{BB962C8B-B14F-4D97-AF65-F5344CB8AC3E}">
+        <p14:creationId xmlns:p14="http://schemas.microsoft.com/office/powerpoint/2010/main" val="34564757"/>
+      </p:ext>
+    </p:extLst>
   </p:cSld>
   <p:clrMapOvr>
     <a:masterClrMapping/>
@@ -3579,7 +3635,7 @@
           <a:p>
             <a:fld id="{8756BAF8-8F1A-40D0-BC4F-F163DC940768}" type="datetime1">
               <a:rPr lang="en-US" smtClean="0"/>
-              <a:t>4/14/2023</a:t>
+              <a:t>4/20/2023</a:t>
             </a:fld>
             <a:endParaRPr lang="en-US" dirty="0"/>
           </a:p>
@@ -3652,7 +3708,7 @@
           </a:lstStyle>
           <a:p>
             <a:fld id="{D57F1E4F-1CFF-5643-939E-217C01CDF565}" type="slidenum">
-              <a:rPr lang="en-US" dirty="0"/>
+              <a:rPr lang="en-US" smtClean="0"/>
               <a:pPr/>
               <a:t>‹#›</a:t>
             </a:fld>
@@ -3772,20 +3828,25 @@
         </p:style>
       </p:sp>
     </p:spTree>
+    <p:extLst>
+      <p:ext uri="{BB962C8B-B14F-4D97-AF65-F5344CB8AC3E}">
+        <p14:creationId xmlns:p14="http://schemas.microsoft.com/office/powerpoint/2010/main" val="3924930408"/>
+      </p:ext>
+    </p:extLst>
   </p:cSld>
   <p:clrMap bg1="lt1" tx1="dk1" bg2="lt2" tx2="dk2" accent1="accent1" accent2="accent2" accent3="accent3" accent4="accent4" accent5="accent5" accent6="accent6" hlink="hlink" folHlink="folHlink"/>
   <p:sldLayoutIdLst>
-    <p:sldLayoutId id="2147483649" r:id="rId1"/>
-    <p:sldLayoutId id="2147483650" r:id="rId2"/>
-    <p:sldLayoutId id="2147483651" r:id="rId3"/>
-    <p:sldLayoutId id="2147483652" r:id="rId4"/>
-    <p:sldLayoutId id="2147483653" r:id="rId5"/>
-    <p:sldLayoutId id="2147483654" r:id="rId6"/>
-    <p:sldLayoutId id="2147483655" r:id="rId7"/>
-    <p:sldLayoutId id="2147483656" r:id="rId8"/>
-    <p:sldLayoutId id="2147483657" r:id="rId9"/>
-    <p:sldLayoutId id="2147483658" r:id="rId10"/>
-    <p:sldLayoutId id="2147483659" r:id="rId11"/>
+    <p:sldLayoutId id="2147483673" r:id="rId1"/>
+    <p:sldLayoutId id="2147483674" r:id="rId2"/>
+    <p:sldLayoutId id="2147483675" r:id="rId3"/>
+    <p:sldLayoutId id="2147483676" r:id="rId4"/>
+    <p:sldLayoutId id="2147483677" r:id="rId5"/>
+    <p:sldLayoutId id="2147483678" r:id="rId6"/>
+    <p:sldLayoutId id="2147483679" r:id="rId7"/>
+    <p:sldLayoutId id="2147483680" r:id="rId8"/>
+    <p:sldLayoutId id="2147483681" r:id="rId9"/>
+    <p:sldLayoutId id="2147483682" r:id="rId10"/>
+    <p:sldLayoutId id="2147483683" r:id="rId11"/>
   </p:sldLayoutIdLst>
   <p:hf hdr="0" ftr="0" dt="0"/>
   <p:txStyles>
@@ -4330,6 +4391,110 @@
 </file>
 
 <file path=ppt/slides/slide10.xml><?xml version="1.0" encoding="utf-8"?>
+<p:sld xmlns:a="http://schemas.openxmlformats.org/drawingml/2006/main" xmlns:r="http://schemas.openxmlformats.org/officeDocument/2006/relationships" xmlns:p="http://schemas.openxmlformats.org/presentationml/2006/main" show="0">
+  <p:cSld>
+    <p:spTree>
+      <p:nvGrpSpPr>
+        <p:cNvPr id="1" name=""/>
+        <p:cNvGrpSpPr/>
+        <p:nvPr/>
+      </p:nvGrpSpPr>
+      <p:grpSpPr>
+        <a:xfrm>
+          <a:off x="0" y="0"/>
+          <a:ext cx="0" cy="0"/>
+          <a:chOff x="0" y="0"/>
+          <a:chExt cx="0" cy="0"/>
+        </a:xfrm>
+      </p:grpSpPr>
+      <p:sp>
+        <p:nvSpPr>
+          <p:cNvPr id="2" name="Title 1"/>
+          <p:cNvSpPr>
+            <a:spLocks noGrp="1"/>
+          </p:cNvSpPr>
+          <p:nvPr>
+            <p:ph type="title"/>
+          </p:nvPr>
+        </p:nvSpPr>
+        <p:spPr/>
+        <p:txBody>
+          <a:bodyPr/>
+          <a:lstStyle/>
+          <a:p>
+            <a:r>
+              <a:rPr lang="ru-RU" dirty="0" smtClean="0"/>
+              <a:t>Видео</a:t>
+            </a:r>
+            <a:endParaRPr lang="en-US" dirty="0"/>
+          </a:p>
+        </p:txBody>
+      </p:sp>
+      <p:sp>
+        <p:nvSpPr>
+          <p:cNvPr id="3" name="Content Placeholder 2"/>
+          <p:cNvSpPr>
+            <a:spLocks noGrp="1"/>
+          </p:cNvSpPr>
+          <p:nvPr>
+            <p:ph idx="1"/>
+          </p:nvPr>
+        </p:nvSpPr>
+        <p:spPr/>
+        <p:txBody>
+          <a:bodyPr/>
+          <a:lstStyle/>
+          <a:p>
+            <a:endParaRPr lang="en-US"/>
+          </a:p>
+        </p:txBody>
+      </p:sp>
+      <p:sp>
+        <p:nvSpPr>
+          <p:cNvPr id="4" name="Slide Number Placeholder 3"/>
+          <p:cNvSpPr>
+            <a:spLocks noGrp="1"/>
+          </p:cNvSpPr>
+          <p:nvPr>
+            <p:ph type="sldNum" sz="quarter" idx="12"/>
+          </p:nvPr>
+        </p:nvSpPr>
+        <p:spPr/>
+        <p:txBody>
+          <a:bodyPr/>
+          <a:lstStyle/>
+          <a:p>
+            <a:fld id="{D57F1E4F-1CFF-5643-939E-217C01CDF565}" type="slidenum">
+              <a:rPr lang="en-US" smtClean="0"/>
+              <a:pPr/>
+              <a:t>10</a:t>
+            </a:fld>
+            <a:endParaRPr lang="en-US" dirty="0"/>
+          </a:p>
+        </p:txBody>
+      </p:sp>
+    </p:spTree>
+    <p:extLst>
+      <p:ext uri="{BB962C8B-B14F-4D97-AF65-F5344CB8AC3E}">
+        <p14:creationId xmlns:p14="http://schemas.microsoft.com/office/powerpoint/2010/main" val="2658411132"/>
+      </p:ext>
+    </p:extLst>
+  </p:cSld>
+  <p:clrMapOvr>
+    <a:masterClrMapping/>
+  </p:clrMapOvr>
+  <mc:AlternateContent xmlns:mc="http://schemas.openxmlformats.org/markup-compatibility/2006">
+    <mc:Choice xmlns:p14="http://schemas.microsoft.com/office/powerpoint/2010/main" Requires="p14">
+      <p:transition spd="slow" p14:dur="2000"/>
+    </mc:Choice>
+    <mc:Fallback>
+      <p:transition spd="slow"/>
+    </mc:Fallback>
+  </mc:AlternateContent>
+</p:sld>
+</file>
+
+<file path=ppt/slides/slide11.xml><?xml version="1.0" encoding="utf-8"?>
 <p:sld xmlns:a="http://schemas.openxmlformats.org/drawingml/2006/main" xmlns:r="http://schemas.openxmlformats.org/officeDocument/2006/relationships" xmlns:p="http://schemas.openxmlformats.org/presentationml/2006/main">
   <p:cSld>
     <p:spTree>
@@ -4384,29 +4549,72 @@
           <a:bodyPr/>
           <a:lstStyle/>
           <a:p>
+            <a:pPr>
+              <a:buFont typeface="Wingdings" panose="05000000000000000000" pitchFamily="2" charset="2"/>
+              <a:buChar char="q"/>
+            </a:pPr>
             <a:r>
               <a:rPr lang="ru-RU" dirty="0" smtClean="0"/>
-              <a:t>Наша цель дальнейшего развития заключается </a:t>
-            </a:r>
-            <a:r>
-              <a:rPr lang="ru-RU" dirty="0"/>
-              <a:t>в исправление нынешних багов </a:t>
-            </a:r>
+              <a:t>В дальнейшем можно было бы изменить пару вещей, например</a:t>
+            </a:r>
+            <a:r>
+              <a:rPr lang="en-US" dirty="0" smtClean="0"/>
+              <a:t>:</a:t>
+            </a:r>
+          </a:p>
+          <a:p>
+            <a:pPr>
+              <a:buFont typeface="Arial" panose="020B0604020202020204" pitchFamily="34" charset="0"/>
+              <a:buChar char="•"/>
+            </a:pPr>
             <a:r>
               <a:rPr lang="ru-RU" dirty="0" smtClean="0"/>
-              <a:t>проекта, </a:t>
-            </a:r>
-            <a:r>
-              <a:rPr lang="ru-RU" dirty="0" smtClean="0"/>
-              <a:t>реализации новых функций для оптимизации использования проекта.</a:t>
-            </a:r>
-            <a:endParaRPr lang="en-US" dirty="0"/>
-          </a:p>
-        </p:txBody>
-      </p:sp>
-      <p:sp>
-        <p:nvSpPr>
-          <p:cNvPr id="4" name="Action Button: Home 3">
+              <a:t>Добавить веб-интерфейс для приложения</a:t>
+            </a:r>
+          </a:p>
+          <a:p>
+            <a:pPr>
+              <a:buFont typeface="Arial" panose="020B0604020202020204" pitchFamily="34" charset="0"/>
+              <a:buChar char="•"/>
+            </a:pPr>
+            <a:endParaRPr lang="ru-RU" dirty="0" smtClean="0"/>
+          </a:p>
+          <a:p>
+            <a:pPr>
+              <a:buFont typeface="Arial" panose="020B0604020202020204" pitchFamily="34" charset="0"/>
+              <a:buChar char="•"/>
+            </a:pPr>
+            <a:endParaRPr lang="en-US" dirty="0"/>
+          </a:p>
+        </p:txBody>
+      </p:sp>
+      <p:sp>
+        <p:nvSpPr>
+          <p:cNvPr id="5" name="Slide Number Placeholder 4"/>
+          <p:cNvSpPr>
+            <a:spLocks noGrp="1"/>
+          </p:cNvSpPr>
+          <p:nvPr>
+            <p:ph type="sldNum" sz="quarter" idx="12"/>
+          </p:nvPr>
+        </p:nvSpPr>
+        <p:spPr/>
+        <p:txBody>
+          <a:bodyPr/>
+          <a:lstStyle/>
+          <a:p>
+            <a:fld id="{D57F1E4F-1CFF-5643-939E-217C01CDF565}" type="slidenum">
+              <a:rPr lang="en-US" smtClean="0"/>
+              <a:pPr/>
+              <a:t>11</a:t>
+            </a:fld>
+            <a:endParaRPr lang="en-US" dirty="0"/>
+          </a:p>
+        </p:txBody>
+      </p:sp>
+      <p:sp>
+        <p:nvSpPr>
+          <p:cNvPr id="6" name="Action Button: Home 5">
             <a:hlinkClick r:id="rId2" action="ppaction://hlinksldjump" highlightClick="1"/>
           </p:cNvPr>
           <p:cNvSpPr/>
@@ -4414,8 +4622,8 @@
         </p:nvSpPr>
         <p:spPr>
           <a:xfrm>
-            <a:off x="10189819" y="5956137"/>
-            <a:ext cx="894735" cy="562897"/>
+            <a:off x="10427699" y="5986774"/>
+            <a:ext cx="623929" cy="505170"/>
           </a:xfrm>
           <a:prstGeom prst="actionButtonHome">
             <a:avLst/>
@@ -4443,30 +4651,6 @@
           <a:p>
             <a:pPr algn="ctr"/>
             <a:endParaRPr lang="ru-RU"/>
-          </a:p>
-        </p:txBody>
-      </p:sp>
-      <p:sp>
-        <p:nvSpPr>
-          <p:cNvPr id="5" name="Slide Number Placeholder 4"/>
-          <p:cNvSpPr>
-            <a:spLocks noGrp="1"/>
-          </p:cNvSpPr>
-          <p:nvPr>
-            <p:ph type="sldNum" sz="quarter" idx="12"/>
-          </p:nvPr>
-        </p:nvSpPr>
-        <p:spPr/>
-        <p:txBody>
-          <a:bodyPr/>
-          <a:lstStyle/>
-          <a:p>
-            <a:fld id="{D57F1E4F-1CFF-5643-939E-217C01CDF565}" type="slidenum">
-              <a:rPr lang="en-US" smtClean="0"/>
-              <a:pPr/>
-              <a:t>10</a:t>
-            </a:fld>
-            <a:endParaRPr lang="en-US" dirty="0"/>
           </a:p>
         </p:txBody>
       </p:sp>
@@ -4490,7 +4674,7 @@
 </p:sld>
 </file>
 
-<file path=ppt/slides/slide11.xml><?xml version="1.0" encoding="utf-8"?>
+<file path=ppt/slides/slide12.xml><?xml version="1.0" encoding="utf-8"?>
 <p:sld xmlns:a="http://schemas.openxmlformats.org/drawingml/2006/main" xmlns:r="http://schemas.openxmlformats.org/officeDocument/2006/relationships" xmlns:p="http://schemas.openxmlformats.org/presentationml/2006/main">
   <p:cSld>
     <p:spTree>
@@ -4565,18 +4749,19 @@
           <a:p>
             <a:r>
               <a:rPr lang="ru-RU" dirty="0" smtClean="0"/>
-              <a:t>Один человек занимался базой данных</a:t>
-            </a:r>
-            <a:r>
-              <a:rPr lang="en-US" dirty="0"/>
-              <a:t>;</a:t>
-            </a:r>
-            <a:endParaRPr lang="ru-RU" dirty="0" smtClean="0"/>
-          </a:p>
-          <a:p>
+              <a:t>Арсений</a:t>
+            </a:r>
             <a:r>
               <a:rPr lang="ru-RU" dirty="0" smtClean="0"/>
-              <a:t>Второй человек писал контроллеры и маршруты</a:t>
+              <a:t> </a:t>
+            </a:r>
+            <a:r>
+              <a:rPr lang="ru-RU" dirty="0" smtClean="0"/>
+              <a:t>занимался базой </a:t>
+            </a:r>
+            <a:r>
+              <a:rPr lang="ru-RU" dirty="0" smtClean="0"/>
+              <a:t>данных и моделями</a:t>
             </a:r>
             <a:r>
               <a:rPr lang="en-US" dirty="0" smtClean="0"/>
@@ -4585,6 +4770,25 @@
             <a:endParaRPr lang="ru-RU" dirty="0" smtClean="0"/>
           </a:p>
           <a:p>
+            <a:r>
+              <a:rPr lang="ru-RU" dirty="0" smtClean="0"/>
+              <a:t>Виктория работала с контроллерами </a:t>
+            </a:r>
+            <a:r>
+              <a:rPr lang="ru-RU" dirty="0" smtClean="0"/>
+              <a:t>и </a:t>
+            </a:r>
+            <a:r>
+              <a:rPr lang="ru-RU" dirty="0" smtClean="0"/>
+              <a:t>маршрутами</a:t>
+            </a:r>
+            <a:r>
+              <a:rPr lang="en-US" dirty="0" smtClean="0"/>
+              <a:t>;</a:t>
+            </a:r>
+            <a:endParaRPr lang="ru-RU" dirty="0" smtClean="0"/>
+          </a:p>
+          <a:p>
             <a:pPr marL="0" indent="0">
               <a:buNone/>
             </a:pPr>
@@ -4597,7 +4801,31 @@
       </p:sp>
       <p:sp>
         <p:nvSpPr>
-          <p:cNvPr id="4" name="Action Button: Home 3">
+          <p:cNvPr id="5" name="Slide Number Placeholder 4"/>
+          <p:cNvSpPr>
+            <a:spLocks noGrp="1"/>
+          </p:cNvSpPr>
+          <p:nvPr>
+            <p:ph type="sldNum" sz="quarter" idx="12"/>
+          </p:nvPr>
+        </p:nvSpPr>
+        <p:spPr/>
+        <p:txBody>
+          <a:bodyPr/>
+          <a:lstStyle/>
+          <a:p>
+            <a:fld id="{D57F1E4F-1CFF-5643-939E-217C01CDF565}" type="slidenum">
+              <a:rPr lang="en-US" smtClean="0"/>
+              <a:pPr/>
+              <a:t>12</a:t>
+            </a:fld>
+            <a:endParaRPr lang="en-US" dirty="0"/>
+          </a:p>
+        </p:txBody>
+      </p:sp>
+      <p:sp>
+        <p:nvSpPr>
+          <p:cNvPr id="6" name="Action Button: Home 5">
             <a:hlinkClick r:id="rId2" action="ppaction://hlinksldjump" highlightClick="1"/>
           </p:cNvPr>
           <p:cNvSpPr/>
@@ -4605,8 +4833,8 @@
         </p:nvSpPr>
         <p:spPr>
           <a:xfrm>
-            <a:off x="10189819" y="5956137"/>
-            <a:ext cx="894735" cy="562897"/>
+            <a:off x="10427699" y="5986774"/>
+            <a:ext cx="623929" cy="505170"/>
           </a:xfrm>
           <a:prstGeom prst="actionButtonHome">
             <a:avLst/>
@@ -4634,30 +4862,6 @@
           <a:p>
             <a:pPr algn="ctr"/>
             <a:endParaRPr lang="ru-RU"/>
-          </a:p>
-        </p:txBody>
-      </p:sp>
-      <p:sp>
-        <p:nvSpPr>
-          <p:cNvPr id="5" name="Slide Number Placeholder 4"/>
-          <p:cNvSpPr>
-            <a:spLocks noGrp="1"/>
-          </p:cNvSpPr>
-          <p:nvPr>
-            <p:ph type="sldNum" sz="quarter" idx="12"/>
-          </p:nvPr>
-        </p:nvSpPr>
-        <p:spPr/>
-        <p:txBody>
-          <a:bodyPr/>
-          <a:lstStyle/>
-          <a:p>
-            <a:fld id="{D57F1E4F-1CFF-5643-939E-217C01CDF565}" type="slidenum">
-              <a:rPr lang="en-US" smtClean="0"/>
-              <a:pPr/>
-              <a:t>11</a:t>
-            </a:fld>
-            <a:endParaRPr lang="en-US" dirty="0"/>
           </a:p>
         </p:txBody>
       </p:sp>
@@ -4959,7 +5163,31 @@
       </p:sp>
       <p:sp>
         <p:nvSpPr>
-          <p:cNvPr id="4" name="Action Button: Home 3">
+          <p:cNvPr id="5" name="Slide Number Placeholder 4"/>
+          <p:cNvSpPr>
+            <a:spLocks noGrp="1"/>
+          </p:cNvSpPr>
+          <p:nvPr>
+            <p:ph type="sldNum" sz="quarter" idx="12"/>
+          </p:nvPr>
+        </p:nvSpPr>
+        <p:spPr/>
+        <p:txBody>
+          <a:bodyPr/>
+          <a:lstStyle/>
+          <a:p>
+            <a:fld id="{D57F1E4F-1CFF-5643-939E-217C01CDF565}" type="slidenum">
+              <a:rPr lang="en-US" smtClean="0"/>
+              <a:pPr/>
+              <a:t>3</a:t>
+            </a:fld>
+            <a:endParaRPr lang="en-US" dirty="0"/>
+          </a:p>
+        </p:txBody>
+      </p:sp>
+      <p:sp>
+        <p:nvSpPr>
+          <p:cNvPr id="6" name="Action Button: Home 5">
             <a:hlinkClick r:id="rId2" action="ppaction://hlinksldjump" highlightClick="1"/>
           </p:cNvPr>
           <p:cNvSpPr/>
@@ -4967,8 +5195,8 @@
         </p:nvSpPr>
         <p:spPr>
           <a:xfrm>
-            <a:off x="10484717" y="5959726"/>
-            <a:ext cx="894735" cy="562897"/>
+            <a:off x="10427699" y="5986774"/>
+            <a:ext cx="623929" cy="505170"/>
           </a:xfrm>
           <a:prstGeom prst="actionButtonHome">
             <a:avLst/>
@@ -4996,30 +5224,6 @@
           <a:p>
             <a:pPr algn="ctr"/>
             <a:endParaRPr lang="ru-RU"/>
-          </a:p>
-        </p:txBody>
-      </p:sp>
-      <p:sp>
-        <p:nvSpPr>
-          <p:cNvPr id="5" name="Slide Number Placeholder 4"/>
-          <p:cNvSpPr>
-            <a:spLocks noGrp="1"/>
-          </p:cNvSpPr>
-          <p:nvPr>
-            <p:ph type="sldNum" sz="quarter" idx="12"/>
-          </p:nvPr>
-        </p:nvSpPr>
-        <p:spPr/>
-        <p:txBody>
-          <a:bodyPr/>
-          <a:lstStyle/>
-          <a:p>
-            <a:fld id="{D57F1E4F-1CFF-5643-939E-217C01CDF565}" type="slidenum">
-              <a:rPr lang="en-US" smtClean="0"/>
-              <a:pPr/>
-              <a:t>3</a:t>
-            </a:fld>
-            <a:endParaRPr lang="en-US" dirty="0"/>
           </a:p>
         </p:txBody>
       </p:sp>
@@ -5177,7 +5381,31 @@
       </p:sp>
       <p:sp>
         <p:nvSpPr>
-          <p:cNvPr id="4" name="Action Button: Home 3">
+          <p:cNvPr id="5" name="Slide Number Placeholder 4"/>
+          <p:cNvSpPr>
+            <a:spLocks noGrp="1"/>
+          </p:cNvSpPr>
+          <p:nvPr>
+            <p:ph type="sldNum" sz="quarter" idx="12"/>
+          </p:nvPr>
+        </p:nvSpPr>
+        <p:spPr/>
+        <p:txBody>
+          <a:bodyPr/>
+          <a:lstStyle/>
+          <a:p>
+            <a:fld id="{D57F1E4F-1CFF-5643-939E-217C01CDF565}" type="slidenum">
+              <a:rPr lang="en-US" smtClean="0"/>
+              <a:pPr/>
+              <a:t>4</a:t>
+            </a:fld>
+            <a:endParaRPr lang="en-US" dirty="0"/>
+          </a:p>
+        </p:txBody>
+      </p:sp>
+      <p:sp>
+        <p:nvSpPr>
+          <p:cNvPr id="6" name="Action Button: Home 5">
             <a:hlinkClick r:id="rId2" action="ppaction://hlinksldjump" highlightClick="1"/>
           </p:cNvPr>
           <p:cNvSpPr/>
@@ -5185,8 +5413,8 @@
         </p:nvSpPr>
         <p:spPr>
           <a:xfrm>
-            <a:off x="10434841" y="5968039"/>
-            <a:ext cx="894735" cy="562897"/>
+            <a:off x="10427699" y="5986774"/>
+            <a:ext cx="623929" cy="505170"/>
           </a:xfrm>
           <a:prstGeom prst="actionButtonHome">
             <a:avLst/>
@@ -5214,30 +5442,6 @@
           <a:p>
             <a:pPr algn="ctr"/>
             <a:endParaRPr lang="ru-RU"/>
-          </a:p>
-        </p:txBody>
-      </p:sp>
-      <p:sp>
-        <p:nvSpPr>
-          <p:cNvPr id="5" name="Slide Number Placeholder 4"/>
-          <p:cNvSpPr>
-            <a:spLocks noGrp="1"/>
-          </p:cNvSpPr>
-          <p:nvPr>
-            <p:ph type="sldNum" sz="quarter" idx="12"/>
-          </p:nvPr>
-        </p:nvSpPr>
-        <p:spPr/>
-        <p:txBody>
-          <a:bodyPr/>
-          <a:lstStyle/>
-          <a:p>
-            <a:fld id="{D57F1E4F-1CFF-5643-939E-217C01CDF565}" type="slidenum">
-              <a:rPr lang="en-US" smtClean="0"/>
-              <a:pPr/>
-              <a:t>4</a:t>
-            </a:fld>
-            <a:endParaRPr lang="en-US" dirty="0"/>
           </a:p>
         </p:txBody>
       </p:sp>
@@ -5344,7 +5548,31 @@
       </p:sp>
       <p:sp>
         <p:nvSpPr>
-          <p:cNvPr id="4" name="Action Button: Home 3">
+          <p:cNvPr id="5" name="Slide Number Placeholder 4"/>
+          <p:cNvSpPr>
+            <a:spLocks noGrp="1"/>
+          </p:cNvSpPr>
+          <p:nvPr>
+            <p:ph type="sldNum" sz="quarter" idx="12"/>
+          </p:nvPr>
+        </p:nvSpPr>
+        <p:spPr/>
+        <p:txBody>
+          <a:bodyPr/>
+          <a:lstStyle/>
+          <a:p>
+            <a:fld id="{D57F1E4F-1CFF-5643-939E-217C01CDF565}" type="slidenum">
+              <a:rPr lang="en-US" smtClean="0"/>
+              <a:pPr/>
+              <a:t>5</a:t>
+            </a:fld>
+            <a:endParaRPr lang="en-US" dirty="0"/>
+          </a:p>
+        </p:txBody>
+      </p:sp>
+      <p:sp>
+        <p:nvSpPr>
+          <p:cNvPr id="6" name="Action Button: Home 5">
             <a:hlinkClick r:id="rId2" action="ppaction://hlinksldjump" highlightClick="1"/>
           </p:cNvPr>
           <p:cNvSpPr/>
@@ -5352,8 +5580,8 @@
         </p:nvSpPr>
         <p:spPr>
           <a:xfrm>
-            <a:off x="10326776" y="5956137"/>
-            <a:ext cx="894735" cy="562897"/>
+            <a:off x="10427699" y="5986774"/>
+            <a:ext cx="623929" cy="505170"/>
           </a:xfrm>
           <a:prstGeom prst="actionButtonHome">
             <a:avLst/>
@@ -5381,30 +5609,6 @@
           <a:p>
             <a:pPr algn="ctr"/>
             <a:endParaRPr lang="ru-RU"/>
-          </a:p>
-        </p:txBody>
-      </p:sp>
-      <p:sp>
-        <p:nvSpPr>
-          <p:cNvPr id="5" name="Slide Number Placeholder 4"/>
-          <p:cNvSpPr>
-            <a:spLocks noGrp="1"/>
-          </p:cNvSpPr>
-          <p:nvPr>
-            <p:ph type="sldNum" sz="quarter" idx="12"/>
-          </p:nvPr>
-        </p:nvSpPr>
-        <p:spPr/>
-        <p:txBody>
-          <a:bodyPr/>
-          <a:lstStyle/>
-          <a:p>
-            <a:fld id="{D57F1E4F-1CFF-5643-939E-217C01CDF565}" type="slidenum">
-              <a:rPr lang="en-US" smtClean="0"/>
-              <a:pPr/>
-              <a:t>5</a:t>
-            </a:fld>
-            <a:endParaRPr lang="en-US" dirty="0"/>
           </a:p>
         </p:txBody>
       </p:sp>
@@ -5490,8 +5694,8 @@
         </p:blipFill>
         <p:spPr>
           <a:xfrm>
-            <a:off x="1233157" y="2015685"/>
-            <a:ext cx="9725685" cy="4620186"/>
+            <a:off x="2224577" y="2181225"/>
+            <a:ext cx="7742845" cy="3678238"/>
           </a:xfrm>
           <a:prstGeom prst="rect">
             <a:avLst/>
@@ -5500,7 +5704,31 @@
       </p:pic>
       <p:sp>
         <p:nvSpPr>
-          <p:cNvPr id="5" name="Action Button: Home 4">
+          <p:cNvPr id="3" name="Slide Number Placeholder 2"/>
+          <p:cNvSpPr>
+            <a:spLocks noGrp="1"/>
+          </p:cNvSpPr>
+          <p:nvPr>
+            <p:ph type="sldNum" sz="quarter" idx="12"/>
+          </p:nvPr>
+        </p:nvSpPr>
+        <p:spPr/>
+        <p:txBody>
+          <a:bodyPr/>
+          <a:lstStyle/>
+          <a:p>
+            <a:fld id="{D57F1E4F-1CFF-5643-939E-217C01CDF565}" type="slidenum">
+              <a:rPr lang="en-US" smtClean="0"/>
+              <a:pPr/>
+              <a:t>6</a:t>
+            </a:fld>
+            <a:endParaRPr lang="en-US" dirty="0"/>
+          </a:p>
+        </p:txBody>
+      </p:sp>
+      <p:sp>
+        <p:nvSpPr>
+          <p:cNvPr id="7" name="Action Button: Home 6">
             <a:hlinkClick r:id="rId3" action="ppaction://hlinksldjump" highlightClick="1"/>
           </p:cNvPr>
           <p:cNvSpPr/>
@@ -5508,8 +5736,8 @@
         </p:nvSpPr>
         <p:spPr>
           <a:xfrm>
-            <a:off x="10390090" y="6001290"/>
-            <a:ext cx="894735" cy="562897"/>
+            <a:off x="10427699" y="5986774"/>
+            <a:ext cx="623929" cy="505170"/>
           </a:xfrm>
           <a:prstGeom prst="actionButtonHome">
             <a:avLst/>
@@ -5537,30 +5765,6 @@
           <a:p>
             <a:pPr algn="ctr"/>
             <a:endParaRPr lang="ru-RU"/>
-          </a:p>
-        </p:txBody>
-      </p:sp>
-      <p:sp>
-        <p:nvSpPr>
-          <p:cNvPr id="3" name="Slide Number Placeholder 2"/>
-          <p:cNvSpPr>
-            <a:spLocks noGrp="1"/>
-          </p:cNvSpPr>
-          <p:nvPr>
-            <p:ph type="sldNum" sz="quarter" idx="12"/>
-          </p:nvPr>
-        </p:nvSpPr>
-        <p:spPr/>
-        <p:txBody>
-          <a:bodyPr/>
-          <a:lstStyle/>
-          <a:p>
-            <a:fld id="{D57F1E4F-1CFF-5643-939E-217C01CDF565}" type="slidenum">
-              <a:rPr lang="en-US" smtClean="0"/>
-              <a:pPr/>
-              <a:t>6</a:t>
-            </a:fld>
-            <a:endParaRPr lang="en-US" dirty="0"/>
           </a:p>
         </p:txBody>
       </p:sp>
@@ -5635,7 +5839,7 @@
             <a:spLocks noGrp="1"/>
           </p:cNvSpPr>
           <p:nvPr>
-            <p:ph idx="1"/>
+            <p:ph sz="half" idx="1"/>
           </p:nvPr>
         </p:nvSpPr>
         <p:spPr/>
@@ -5662,18 +5866,68 @@
           </a:p>
         </p:txBody>
       </p:sp>
+      <p:pic>
+        <p:nvPicPr>
+          <p:cNvPr id="7" name="Content Placeholder 6"/>
+          <p:cNvPicPr>
+            <a:picLocks noGrp="1" noChangeAspect="1"/>
+          </p:cNvPicPr>
+          <p:nvPr>
+            <p:ph sz="half" idx="2"/>
+          </p:nvPr>
+        </p:nvPicPr>
+        <p:blipFill>
+          <a:blip r:embed="rId2"/>
+          <a:stretch>
+            <a:fillRect/>
+          </a:stretch>
+        </p:blipFill>
+        <p:spPr>
+          <a:xfrm>
+            <a:off x="8692999" y="351349"/>
+            <a:ext cx="2752272" cy="5509701"/>
+          </a:xfrm>
+          <a:prstGeom prst="rect">
+            <a:avLst/>
+          </a:prstGeom>
+        </p:spPr>
+      </p:pic>
+      <p:sp>
+        <p:nvSpPr>
+          <p:cNvPr id="5" name="Slide Number Placeholder 4"/>
+          <p:cNvSpPr>
+            <a:spLocks noGrp="1"/>
+          </p:cNvSpPr>
+          <p:nvPr>
+            <p:ph type="sldNum" sz="quarter" idx="12"/>
+          </p:nvPr>
+        </p:nvSpPr>
+        <p:spPr/>
+        <p:txBody>
+          <a:bodyPr/>
+          <a:lstStyle/>
+          <a:p>
+            <a:fld id="{D57F1E4F-1CFF-5643-939E-217C01CDF565}" type="slidenum">
+              <a:rPr lang="en-US" smtClean="0"/>
+              <a:pPr/>
+              <a:t>7</a:t>
+            </a:fld>
+            <a:endParaRPr lang="en-US" dirty="0"/>
+          </a:p>
+        </p:txBody>
+      </p:sp>
       <p:sp>
         <p:nvSpPr>
           <p:cNvPr id="4" name="Action Button: Home 3">
-            <a:hlinkClick r:id="rId2" action="ppaction://hlinksldjump" highlightClick="1"/>
+            <a:hlinkClick r:id="rId3" action="ppaction://hlinksldjump" highlightClick="1"/>
           </p:cNvPr>
           <p:cNvSpPr/>
           <p:nvPr/>
         </p:nvSpPr>
         <p:spPr>
           <a:xfrm>
-            <a:off x="10443153" y="5956137"/>
-            <a:ext cx="894735" cy="562897"/>
+            <a:off x="10427699" y="5986774"/>
+            <a:ext cx="623929" cy="505170"/>
           </a:xfrm>
           <a:prstGeom prst="actionButtonHome">
             <a:avLst/>
@@ -5704,30 +5958,30 @@
           </a:p>
         </p:txBody>
       </p:sp>
-      <p:sp>
-        <p:nvSpPr>
-          <p:cNvPr id="5" name="Slide Number Placeholder 4"/>
-          <p:cNvSpPr>
-            <a:spLocks noGrp="1"/>
-          </p:cNvSpPr>
-          <p:nvPr>
-            <p:ph type="sldNum" sz="quarter" idx="12"/>
-          </p:nvPr>
-        </p:nvSpPr>
-        <p:spPr/>
-        <p:txBody>
-          <a:bodyPr/>
-          <a:lstStyle/>
-          <a:p>
-            <a:fld id="{D57F1E4F-1CFF-5643-939E-217C01CDF565}" type="slidenum">
-              <a:rPr lang="en-US" smtClean="0"/>
-              <a:pPr/>
-              <a:t>7</a:t>
-            </a:fld>
-            <a:endParaRPr lang="en-US" dirty="0"/>
-          </a:p>
-        </p:txBody>
-      </p:sp>
+      <p:pic>
+        <p:nvPicPr>
+          <p:cNvPr id="8" name="Picture 7"/>
+          <p:cNvPicPr>
+            <a:picLocks noChangeAspect="1"/>
+          </p:cNvPicPr>
+          <p:nvPr/>
+        </p:nvPicPr>
+        <p:blipFill>
+          <a:blip r:embed="rId4"/>
+          <a:stretch>
+            <a:fillRect/>
+          </a:stretch>
+        </p:blipFill>
+        <p:spPr>
+          <a:xfrm>
+            <a:off x="4538736" y="5260793"/>
+            <a:ext cx="4262228" cy="1200514"/>
+          </a:xfrm>
+          <a:prstGeom prst="rect">
+            <a:avLst/>
+          </a:prstGeom>
+        </p:spPr>
+      </p:pic>
     </p:spTree>
     <p:extLst>
       <p:ext uri="{BB962C8B-B14F-4D97-AF65-F5344CB8AC3E}">
@@ -5788,140 +6042,42 @@
           </a:p>
         </p:txBody>
       </p:sp>
-      <p:pic>
-        <p:nvPicPr>
-          <p:cNvPr id="4" name="Content Placeholder 3"/>
-          <p:cNvPicPr>
-            <a:picLocks noGrp="1" noChangeAspect="1"/>
-          </p:cNvPicPr>
-          <p:nvPr>
-            <p:ph idx="1"/>
-          </p:nvPr>
-        </p:nvPicPr>
-        <p:blipFill>
-          <a:blip r:embed="rId2"/>
-          <a:stretch>
-            <a:fillRect/>
-          </a:stretch>
-        </p:blipFill>
-        <p:spPr>
-          <a:xfrm>
-            <a:off x="316239" y="2223490"/>
-            <a:ext cx="2805334" cy="3066491"/>
-          </a:xfrm>
-          <a:prstGeom prst="rect">
-            <a:avLst/>
-          </a:prstGeom>
-        </p:spPr>
-      </p:pic>
-      <p:pic>
-        <p:nvPicPr>
-          <p:cNvPr id="5" name="Picture 4"/>
-          <p:cNvPicPr>
-            <a:picLocks noChangeAspect="1"/>
-          </p:cNvPicPr>
-          <p:nvPr/>
-        </p:nvPicPr>
-        <p:blipFill>
-          <a:blip r:embed="rId3"/>
-          <a:stretch>
-            <a:fillRect/>
-          </a:stretch>
-        </p:blipFill>
-        <p:spPr>
-          <a:xfrm>
-            <a:off x="3505470" y="2089483"/>
-            <a:ext cx="2655748" cy="1978020"/>
-          </a:xfrm>
-          <a:prstGeom prst="rect">
-            <a:avLst/>
-          </a:prstGeom>
-        </p:spPr>
-      </p:pic>
-      <p:pic>
-        <p:nvPicPr>
-          <p:cNvPr id="6" name="Picture 5"/>
-          <p:cNvPicPr>
-            <a:picLocks noChangeAspect="1"/>
-          </p:cNvPicPr>
-          <p:nvPr/>
-        </p:nvPicPr>
-        <p:blipFill>
-          <a:blip r:embed="rId4"/>
-          <a:stretch>
-            <a:fillRect/>
-          </a:stretch>
-        </p:blipFill>
-        <p:spPr>
-          <a:xfrm>
-            <a:off x="3500967" y="4725384"/>
-            <a:ext cx="2660251" cy="748707"/>
-          </a:xfrm>
-          <a:prstGeom prst="rect">
-            <a:avLst/>
-          </a:prstGeom>
-        </p:spPr>
-      </p:pic>
-      <p:pic>
-        <p:nvPicPr>
-          <p:cNvPr id="7" name="Picture 6"/>
-          <p:cNvPicPr>
-            <a:picLocks noChangeAspect="1"/>
-          </p:cNvPicPr>
-          <p:nvPr/>
-        </p:nvPicPr>
-        <p:blipFill>
-          <a:blip r:embed="rId5"/>
-          <a:stretch>
-            <a:fillRect/>
-          </a:stretch>
-        </p:blipFill>
-        <p:spPr>
-          <a:xfrm>
-            <a:off x="9077463" y="2089483"/>
-            <a:ext cx="2676769" cy="3384608"/>
-          </a:xfrm>
-          <a:prstGeom prst="rect">
-            <a:avLst/>
-          </a:prstGeom>
-        </p:spPr>
-      </p:pic>
-      <p:pic>
-        <p:nvPicPr>
-          <p:cNvPr id="8" name="Picture 7"/>
-          <p:cNvPicPr>
-            <a:picLocks noChangeAspect="1"/>
-          </p:cNvPicPr>
-          <p:nvPr/>
-        </p:nvPicPr>
-        <p:blipFill>
-          <a:blip r:embed="rId6"/>
-          <a:stretch>
-            <a:fillRect/>
-          </a:stretch>
-        </p:blipFill>
-        <p:spPr>
-          <a:xfrm>
-            <a:off x="6360417" y="3070044"/>
-            <a:ext cx="2641708" cy="1994918"/>
-          </a:xfrm>
-          <a:prstGeom prst="rect">
-            <a:avLst/>
-          </a:prstGeom>
-        </p:spPr>
-      </p:pic>
-      <p:sp>
-        <p:nvSpPr>
-          <p:cNvPr id="9" name="Action Button: Home 8">
-            <a:hlinkClick r:id="rId7" action="ppaction://hlinksldjump" highlightClick="1"/>
+      <p:sp>
+        <p:nvSpPr>
+          <p:cNvPr id="3" name="Slide Number Placeholder 2"/>
+          <p:cNvSpPr>
+            <a:spLocks noGrp="1"/>
+          </p:cNvSpPr>
+          <p:nvPr>
+            <p:ph type="sldNum" sz="quarter" idx="12"/>
+          </p:nvPr>
+        </p:nvSpPr>
+        <p:spPr/>
+        <p:txBody>
+          <a:bodyPr/>
+          <a:lstStyle/>
+          <a:p>
+            <a:fld id="{D57F1E4F-1CFF-5643-939E-217C01CDF565}" type="slidenum">
+              <a:rPr lang="en-US" smtClean="0"/>
+              <a:pPr/>
+              <a:t>8</a:t>
+            </a:fld>
+            <a:endParaRPr lang="en-US" dirty="0"/>
+          </a:p>
+        </p:txBody>
+      </p:sp>
+      <p:sp>
+        <p:nvSpPr>
+          <p:cNvPr id="10" name="Action Button: Home 9">
+            <a:hlinkClick r:id="rId2" action="ppaction://hlinksldjump" highlightClick="1"/>
           </p:cNvPr>
           <p:cNvSpPr/>
           <p:nvPr/>
         </p:nvSpPr>
         <p:spPr>
           <a:xfrm>
-            <a:off x="10415847" y="5951414"/>
-            <a:ext cx="894735" cy="562897"/>
+            <a:off x="10427699" y="5986774"/>
+            <a:ext cx="623929" cy="505170"/>
           </a:xfrm>
           <a:prstGeom prst="actionButtonHome">
             <a:avLst/>
@@ -5952,30 +6108,126 @@
           </a:p>
         </p:txBody>
       </p:sp>
-      <p:sp>
-        <p:nvSpPr>
-          <p:cNvPr id="3" name="Slide Number Placeholder 2"/>
-          <p:cNvSpPr>
-            <a:spLocks noGrp="1"/>
-          </p:cNvSpPr>
-          <p:nvPr>
-            <p:ph type="sldNum" sz="quarter" idx="12"/>
-          </p:nvPr>
-        </p:nvSpPr>
-        <p:spPr/>
-        <p:txBody>
-          <a:bodyPr/>
-          <a:lstStyle/>
-          <a:p>
-            <a:fld id="{D57F1E4F-1CFF-5643-939E-217C01CDF565}" type="slidenum">
-              <a:rPr lang="en-US" smtClean="0"/>
-              <a:pPr/>
-              <a:t>8</a:t>
-            </a:fld>
-            <a:endParaRPr lang="en-US" dirty="0"/>
-          </a:p>
-        </p:txBody>
-      </p:sp>
+      <p:pic>
+        <p:nvPicPr>
+          <p:cNvPr id="14" name="Picture 13"/>
+          <p:cNvPicPr>
+            <a:picLocks noChangeAspect="1"/>
+          </p:cNvPicPr>
+          <p:nvPr/>
+        </p:nvPicPr>
+        <p:blipFill>
+          <a:blip r:embed="rId3"/>
+          <a:stretch>
+            <a:fillRect/>
+          </a:stretch>
+        </p:blipFill>
+        <p:spPr>
+          <a:xfrm>
+            <a:off x="1203489" y="4554187"/>
+            <a:ext cx="2627594" cy="2218098"/>
+          </a:xfrm>
+          <a:prstGeom prst="rect">
+            <a:avLst/>
+          </a:prstGeom>
+        </p:spPr>
+      </p:pic>
+      <p:pic>
+        <p:nvPicPr>
+          <p:cNvPr id="15" name="Picture 14"/>
+          <p:cNvPicPr>
+            <a:picLocks noChangeAspect="1"/>
+          </p:cNvPicPr>
+          <p:nvPr/>
+        </p:nvPicPr>
+        <p:blipFill>
+          <a:blip r:embed="rId4"/>
+          <a:stretch>
+            <a:fillRect/>
+          </a:stretch>
+        </p:blipFill>
+        <p:spPr>
+          <a:xfrm>
+            <a:off x="4710173" y="5005977"/>
+            <a:ext cx="2952902" cy="1314518"/>
+          </a:xfrm>
+          <a:prstGeom prst="rect">
+            <a:avLst/>
+          </a:prstGeom>
+        </p:spPr>
+      </p:pic>
+      <p:pic>
+        <p:nvPicPr>
+          <p:cNvPr id="17" name="Picture 16"/>
+          <p:cNvPicPr>
+            <a:picLocks noChangeAspect="1"/>
+          </p:cNvPicPr>
+          <p:nvPr/>
+        </p:nvPicPr>
+        <p:blipFill>
+          <a:blip r:embed="rId5"/>
+          <a:stretch>
+            <a:fillRect/>
+          </a:stretch>
+        </p:blipFill>
+        <p:spPr>
+          <a:xfrm>
+            <a:off x="9204826" y="1882320"/>
+            <a:ext cx="2405982" cy="3241473"/>
+          </a:xfrm>
+          <a:prstGeom prst="rect">
+            <a:avLst/>
+          </a:prstGeom>
+        </p:spPr>
+      </p:pic>
+      <p:pic>
+        <p:nvPicPr>
+          <p:cNvPr id="18" name="Picture 17"/>
+          <p:cNvPicPr>
+            <a:picLocks noChangeAspect="1"/>
+          </p:cNvPicPr>
+          <p:nvPr/>
+        </p:nvPicPr>
+        <p:blipFill>
+          <a:blip r:embed="rId6"/>
+          <a:stretch>
+            <a:fillRect/>
+          </a:stretch>
+        </p:blipFill>
+        <p:spPr>
+          <a:xfrm>
+            <a:off x="6023452" y="1921049"/>
+            <a:ext cx="2730640" cy="2521080"/>
+          </a:xfrm>
+          <a:prstGeom prst="rect">
+            <a:avLst/>
+          </a:prstGeom>
+        </p:spPr>
+      </p:pic>
+      <p:pic>
+        <p:nvPicPr>
+          <p:cNvPr id="19" name="Picture 18"/>
+          <p:cNvPicPr>
+            <a:picLocks noChangeAspect="1"/>
+          </p:cNvPicPr>
+          <p:nvPr/>
+        </p:nvPicPr>
+        <p:blipFill>
+          <a:blip r:embed="rId7"/>
+          <a:stretch>
+            <a:fillRect/>
+          </a:stretch>
+        </p:blipFill>
+        <p:spPr>
+          <a:xfrm>
+            <a:off x="581192" y="1921049"/>
+            <a:ext cx="4796364" cy="2471664"/>
+          </a:xfrm>
+          <a:prstGeom prst="rect">
+            <a:avLst/>
+          </a:prstGeom>
+        </p:spPr>
+      </p:pic>
     </p:spTree>
     <p:extLst>
       <p:ext uri="{BB962C8B-B14F-4D97-AF65-F5344CB8AC3E}">
@@ -6036,140 +6288,42 @@
           </a:p>
         </p:txBody>
       </p:sp>
-      <p:pic>
-        <p:nvPicPr>
-          <p:cNvPr id="4" name="Content Placeholder 3"/>
-          <p:cNvPicPr>
-            <a:picLocks noGrp="1" noChangeAspect="1"/>
-          </p:cNvPicPr>
-          <p:nvPr>
-            <p:ph idx="1"/>
-          </p:nvPr>
-        </p:nvPicPr>
-        <p:blipFill>
-          <a:blip r:embed="rId2"/>
-          <a:stretch>
-            <a:fillRect/>
-          </a:stretch>
-        </p:blipFill>
-        <p:spPr>
-          <a:xfrm>
-            <a:off x="581192" y="2322902"/>
-            <a:ext cx="9307224" cy="304843"/>
-          </a:xfrm>
-          <a:prstGeom prst="rect">
-            <a:avLst/>
-          </a:prstGeom>
-        </p:spPr>
-      </p:pic>
-      <p:pic>
-        <p:nvPicPr>
-          <p:cNvPr id="5" name="Picture 4"/>
-          <p:cNvPicPr>
-            <a:picLocks noChangeAspect="1"/>
-          </p:cNvPicPr>
-          <p:nvPr/>
-        </p:nvPicPr>
-        <p:blipFill>
-          <a:blip r:embed="rId3"/>
-          <a:stretch>
-            <a:fillRect/>
-          </a:stretch>
-        </p:blipFill>
-        <p:spPr>
-          <a:xfrm>
-            <a:off x="581192" y="2824142"/>
-            <a:ext cx="10021699" cy="295316"/>
-          </a:xfrm>
-          <a:prstGeom prst="rect">
-            <a:avLst/>
-          </a:prstGeom>
-        </p:spPr>
-      </p:pic>
-      <p:pic>
-        <p:nvPicPr>
-          <p:cNvPr id="6" name="Picture 5"/>
-          <p:cNvPicPr>
-            <a:picLocks noChangeAspect="1"/>
-          </p:cNvPicPr>
-          <p:nvPr/>
-        </p:nvPicPr>
-        <p:blipFill>
-          <a:blip r:embed="rId4"/>
-          <a:stretch>
-            <a:fillRect/>
-          </a:stretch>
-        </p:blipFill>
-        <p:spPr>
-          <a:xfrm>
-            <a:off x="581192" y="3234691"/>
-            <a:ext cx="9307224" cy="381053"/>
-          </a:xfrm>
-          <a:prstGeom prst="rect">
-            <a:avLst/>
-          </a:prstGeom>
-        </p:spPr>
-      </p:pic>
-      <p:pic>
-        <p:nvPicPr>
-          <p:cNvPr id="7" name="Picture 6"/>
-          <p:cNvPicPr>
-            <a:picLocks noChangeAspect="1"/>
-          </p:cNvPicPr>
-          <p:nvPr/>
-        </p:nvPicPr>
-        <p:blipFill>
-          <a:blip r:embed="rId5"/>
-          <a:stretch>
-            <a:fillRect/>
-          </a:stretch>
-        </p:blipFill>
-        <p:spPr>
-          <a:xfrm>
-            <a:off x="581192" y="3766608"/>
-            <a:ext cx="9392961" cy="342948"/>
-          </a:xfrm>
-          <a:prstGeom prst="rect">
-            <a:avLst/>
-          </a:prstGeom>
-        </p:spPr>
-      </p:pic>
-      <p:pic>
-        <p:nvPicPr>
-          <p:cNvPr id="8" name="Picture 7"/>
-          <p:cNvPicPr>
-            <a:picLocks noChangeAspect="1"/>
-          </p:cNvPicPr>
-          <p:nvPr/>
-        </p:nvPicPr>
-        <p:blipFill>
-          <a:blip r:embed="rId6"/>
-          <a:stretch>
-            <a:fillRect/>
-          </a:stretch>
-        </p:blipFill>
-        <p:spPr>
-          <a:xfrm>
-            <a:off x="581192" y="4341390"/>
-            <a:ext cx="10698068" cy="571580"/>
-          </a:xfrm>
-          <a:prstGeom prst="rect">
-            <a:avLst/>
-          </a:prstGeom>
-        </p:spPr>
-      </p:pic>
-      <p:sp>
-        <p:nvSpPr>
-          <p:cNvPr id="9" name="Action Button: Home 8">
-            <a:hlinkClick r:id="rId7" action="ppaction://hlinksldjump" highlightClick="1"/>
+      <p:sp>
+        <p:nvSpPr>
+          <p:cNvPr id="3" name="Slide Number Placeholder 2"/>
+          <p:cNvSpPr>
+            <a:spLocks noGrp="1"/>
+          </p:cNvSpPr>
+          <p:nvPr>
+            <p:ph type="sldNum" sz="quarter" idx="12"/>
+          </p:nvPr>
+        </p:nvSpPr>
+        <p:spPr/>
+        <p:txBody>
+          <a:bodyPr/>
+          <a:lstStyle/>
+          <a:p>
+            <a:fld id="{D57F1E4F-1CFF-5643-939E-217C01CDF565}" type="slidenum">
+              <a:rPr lang="en-US" smtClean="0"/>
+              <a:pPr/>
+              <a:t>9</a:t>
+            </a:fld>
+            <a:endParaRPr lang="en-US" dirty="0"/>
+          </a:p>
+        </p:txBody>
+      </p:sp>
+      <p:sp>
+        <p:nvSpPr>
+          <p:cNvPr id="10" name="Action Button: Home 9">
+            <a:hlinkClick r:id="rId2" action="ppaction://hlinksldjump" highlightClick="1"/>
           </p:cNvPr>
           <p:cNvSpPr/>
           <p:nvPr/>
         </p:nvSpPr>
         <p:spPr>
           <a:xfrm>
-            <a:off x="10384525" y="5956137"/>
-            <a:ext cx="894735" cy="562897"/>
+            <a:off x="10427699" y="5986774"/>
+            <a:ext cx="623929" cy="505170"/>
           </a:xfrm>
           <a:prstGeom prst="actionButtonHome">
             <a:avLst/>
@@ -6200,30 +6354,30 @@
           </a:p>
         </p:txBody>
       </p:sp>
-      <p:sp>
-        <p:nvSpPr>
-          <p:cNvPr id="3" name="Slide Number Placeholder 2"/>
-          <p:cNvSpPr>
-            <a:spLocks noGrp="1"/>
-          </p:cNvSpPr>
-          <p:nvPr>
-            <p:ph type="sldNum" sz="quarter" idx="12"/>
-          </p:nvPr>
-        </p:nvSpPr>
-        <p:spPr/>
-        <p:txBody>
-          <a:bodyPr/>
-          <a:lstStyle/>
-          <a:p>
-            <a:fld id="{D57F1E4F-1CFF-5643-939E-217C01CDF565}" type="slidenum">
-              <a:rPr lang="en-US" smtClean="0"/>
-              <a:pPr/>
-              <a:t>9</a:t>
-            </a:fld>
-            <a:endParaRPr lang="en-US" dirty="0"/>
-          </a:p>
-        </p:txBody>
-      </p:sp>
+      <p:pic>
+        <p:nvPicPr>
+          <p:cNvPr id="12" name="Picture 11"/>
+          <p:cNvPicPr>
+            <a:picLocks noChangeAspect="1"/>
+          </p:cNvPicPr>
+          <p:nvPr/>
+        </p:nvPicPr>
+        <p:blipFill>
+          <a:blip r:embed="rId3"/>
+          <a:stretch>
+            <a:fillRect/>
+          </a:stretch>
+        </p:blipFill>
+        <p:spPr>
+          <a:xfrm>
+            <a:off x="385930" y="2265091"/>
+            <a:ext cx="11420139" cy="3111275"/>
+          </a:xfrm>
+          <a:prstGeom prst="rect">
+            <a:avLst/>
+          </a:prstGeom>
+        </p:spPr>
+      </p:pic>
     </p:spTree>
     <p:extLst>
       <p:ext uri="{BB962C8B-B14F-4D97-AF65-F5344CB8AC3E}">
@@ -6261,22 +6415,22 @@
         <a:srgbClr val="EBEBEB"/>
       </a:lt2>
       <a:accent1>
-        <a:srgbClr val="4D1434"/>
+        <a:srgbClr val="366658"/>
       </a:accent1>
       <a:accent2>
-        <a:srgbClr val="903163"/>
+        <a:srgbClr val="8CB64A"/>
       </a:accent2>
       <a:accent3>
-        <a:srgbClr val="B2324B"/>
+        <a:srgbClr val="88D5A9"/>
       </a:accent3>
       <a:accent4>
         <a:srgbClr val="969FA7"/>
       </a:accent4>
       <a:accent5>
-        <a:srgbClr val="66B1CE"/>
+        <a:srgbClr val="E8A844"/>
       </a:accent5>
       <a:accent6>
-        <a:srgbClr val="40619D"/>
+        <a:srgbClr val="A1561F"/>
       </a:accent6>
       <a:hlink>
         <a:srgbClr val="828282"/>
@@ -6507,7 +6661,7 @@
   <a:extraClrSchemeLst/>
   <a:extLst>
     <a:ext uri="{05A4C25C-085E-4340-85A3-A5531E510DB2}">
-      <thm15:themeFamily xmlns:thm15="http://schemas.microsoft.com/office/thememl/2012/main" name="Dividend" id="{9697A71B-4AB7-4A1A-BD5B-BB2D22835B57}" vid="{C21699FF-00E4-43C8-BBCC-D7E5536C3717}"/>
+      <thm15:themeFamily xmlns:thm15="http://schemas.microsoft.com/office/thememl/2012/main" name="Dividend" id="{9697A71B-4AB7-4A1A-BD5B-BB2D22835B57}" vid="{4BEC0EAF-CF86-4D49-B83B-56CC62D3CFF1}"/>
     </a:ext>
   </a:extLst>
 </a:theme>
